--- a/Myanmar presentation.pptx
+++ b/Myanmar presentation.pptx
@@ -23,6 +23,8 @@
     <p:sldId id="268" r:id="rId18"/>
     <p:sldId id="269" r:id="rId19"/>
     <p:sldId id="270" r:id="rId20"/>
+    <p:sldId id="271" r:id="rId21"/>
+    <p:sldId id="272" r:id="rId22"/>
   </p:sldIdLst>
   <p:sldSz cy="5143500" cx="9144000"/>
   <p:notesSz cx="6858000" cy="9144000"/>
@@ -802,7 +804,7 @@
   <p:cSld>
     <p:spTree>
       <p:nvGrpSpPr>
-        <p:cNvPr id="104" name="Shape 104"/>
+        <p:cNvPr id="111" name="Shape 111"/>
         <p:cNvGrpSpPr/>
         <p:nvPr/>
       </p:nvGrpSpPr>
@@ -816,7 +818,7 @@
       </p:grpSpPr>
       <p:sp>
         <p:nvSpPr>
-          <p:cNvPr id="105" name="Google Shape;105;g4632f19095_0_25:notes"/>
+          <p:cNvPr id="112" name="Google Shape;112;g4632f19095_0_35:notes"/>
           <p:cNvSpPr/>
           <p:nvPr>
             <p:ph idx="2" type="sldImg"/>
@@ -851,7 +853,7 @@
       </p:sp>
       <p:sp>
         <p:nvSpPr>
-          <p:cNvPr id="106" name="Google Shape;106;g4632f19095_0_25:notes"/>
+          <p:cNvPr id="113" name="Google Shape;113;g4632f19095_0_35:notes"/>
           <p:cNvSpPr txBox="1"/>
           <p:nvPr>
             <p:ph idx="1" type="body"/>
@@ -901,7 +903,7 @@
   <p:cSld>
     <p:spTree>
       <p:nvGrpSpPr>
-        <p:cNvPr id="110" name="Shape 110"/>
+        <p:cNvPr id="117" name="Shape 117"/>
         <p:cNvGrpSpPr/>
         <p:nvPr/>
       </p:nvGrpSpPr>
@@ -915,7 +917,7 @@
       </p:grpSpPr>
       <p:sp>
         <p:nvSpPr>
-          <p:cNvPr id="111" name="Google Shape;111;g4632f19095_0_30:notes"/>
+          <p:cNvPr id="118" name="Google Shape;118;g4632f19095_0_40:notes"/>
           <p:cNvSpPr/>
           <p:nvPr>
             <p:ph idx="2" type="sldImg"/>
@@ -950,7 +952,7 @@
       </p:sp>
       <p:sp>
         <p:nvSpPr>
-          <p:cNvPr id="112" name="Google Shape;112;g4632f19095_0_30:notes"/>
+          <p:cNvPr id="119" name="Google Shape;119;g4632f19095_0_40:notes"/>
           <p:cNvSpPr txBox="1"/>
           <p:nvPr>
             <p:ph idx="1" type="body"/>
@@ -1000,7 +1002,7 @@
   <p:cSld>
     <p:spTree>
       <p:nvGrpSpPr>
-        <p:cNvPr id="116" name="Shape 116"/>
+        <p:cNvPr id="125" name="Shape 125"/>
         <p:cNvGrpSpPr/>
         <p:nvPr/>
       </p:nvGrpSpPr>
@@ -1014,7 +1016,7 @@
       </p:grpSpPr>
       <p:sp>
         <p:nvSpPr>
-          <p:cNvPr id="117" name="Google Shape;117;g4632f19095_0_35:notes"/>
+          <p:cNvPr id="126" name="Google Shape;126;g4632f19095_0_45:notes"/>
           <p:cNvSpPr/>
           <p:nvPr>
             <p:ph idx="2" type="sldImg"/>
@@ -1049,7 +1051,7 @@
       </p:sp>
       <p:sp>
         <p:nvSpPr>
-          <p:cNvPr id="118" name="Google Shape;118;g4632f19095_0_35:notes"/>
+          <p:cNvPr id="127" name="Google Shape;127;g4632f19095_0_45:notes"/>
           <p:cNvSpPr txBox="1"/>
           <p:nvPr>
             <p:ph idx="1" type="body"/>
@@ -1099,7 +1101,7 @@
   <p:cSld>
     <p:spTree>
       <p:nvGrpSpPr>
-        <p:cNvPr id="122" name="Shape 122"/>
+        <p:cNvPr id="133" name="Shape 133"/>
         <p:cNvGrpSpPr/>
         <p:nvPr/>
       </p:nvGrpSpPr>
@@ -1113,7 +1115,7 @@
       </p:grpSpPr>
       <p:sp>
         <p:nvSpPr>
-          <p:cNvPr id="123" name="Google Shape;123;g4632f19095_0_40:notes"/>
+          <p:cNvPr id="134" name="Google Shape;134;g7dbcd1162d3f72fd_4:notes"/>
           <p:cNvSpPr/>
           <p:nvPr>
             <p:ph idx="2" type="sldImg"/>
@@ -1148,7 +1150,7 @@
       </p:sp>
       <p:sp>
         <p:nvSpPr>
-          <p:cNvPr id="124" name="Google Shape;124;g4632f19095_0_40:notes"/>
+          <p:cNvPr id="135" name="Google Shape;135;g7dbcd1162d3f72fd_4:notes"/>
           <p:cNvSpPr txBox="1"/>
           <p:nvPr>
             <p:ph idx="1" type="body"/>
@@ -1198,7 +1200,7 @@
   <p:cSld>
     <p:spTree>
       <p:nvGrpSpPr>
-        <p:cNvPr id="128" name="Shape 128"/>
+        <p:cNvPr id="138" name="Shape 138"/>
         <p:cNvGrpSpPr/>
         <p:nvPr/>
       </p:nvGrpSpPr>
@@ -1212,7 +1214,7 @@
       </p:grpSpPr>
       <p:sp>
         <p:nvSpPr>
-          <p:cNvPr id="129" name="Google Shape;129;g4632f19095_0_45:notes"/>
+          <p:cNvPr id="139" name="Google Shape;139;g7dbcd1162d3f72fd_0:notes"/>
           <p:cNvSpPr/>
           <p:nvPr>
             <p:ph idx="2" type="sldImg"/>
@@ -1247,7 +1249,7 @@
       </p:sp>
       <p:sp>
         <p:nvSpPr>
-          <p:cNvPr id="130" name="Google Shape;130;g4632f19095_0_45:notes"/>
+          <p:cNvPr id="140" name="Google Shape;140;g7dbcd1162d3f72fd_0:notes"/>
           <p:cNvSpPr txBox="1"/>
           <p:nvPr>
             <p:ph idx="1" type="body"/>
@@ -1297,7 +1299,7 @@
   <p:cSld>
     <p:spTree>
       <p:nvGrpSpPr>
-        <p:cNvPr id="134" name="Shape 134"/>
+        <p:cNvPr id="143" name="Shape 143"/>
         <p:cNvGrpSpPr/>
         <p:nvPr/>
       </p:nvGrpSpPr>
@@ -1311,7 +1313,7 @@
       </p:grpSpPr>
       <p:sp>
         <p:nvSpPr>
-          <p:cNvPr id="135" name="Google Shape;135;g4632f19095_0_50:notes"/>
+          <p:cNvPr id="144" name="Google Shape;144;g7dbcd1162d3f72fd_8:notes"/>
           <p:cNvSpPr/>
           <p:nvPr>
             <p:ph idx="2" type="sldImg"/>
@@ -1346,7 +1348,7 @@
       </p:sp>
       <p:sp>
         <p:nvSpPr>
-          <p:cNvPr id="136" name="Google Shape;136;g4632f19095_0_50:notes"/>
+          <p:cNvPr id="145" name="Google Shape;145;g7dbcd1162d3f72fd_8:notes"/>
           <p:cNvSpPr txBox="1"/>
           <p:nvPr>
             <p:ph idx="1" type="body"/>
@@ -1391,12 +1393,12 @@
 </p:notes>
 </file>
 
-<file path=ppt/notesSlides/notesSlide2.xml><?xml version="1.0" encoding="utf-8"?>
+<file path=ppt/notesSlides/notesSlide16.xml><?xml version="1.0" encoding="utf-8"?>
 <p:notes xmlns:a="http://schemas.openxmlformats.org/drawingml/2006/main" xmlns:r="http://schemas.openxmlformats.org/officeDocument/2006/relationships" xmlns:mc="http://schemas.openxmlformats.org/markup-compatibility/2006" xmlns:mv="urn:schemas-microsoft-com:mac:vml" xmlns:p="http://schemas.openxmlformats.org/presentationml/2006/main" xmlns:c="http://schemas.openxmlformats.org/drawingml/2006/chart" xmlns:dgm="http://schemas.openxmlformats.org/drawingml/2006/diagram" xmlns:o="urn:schemas-microsoft-com:office:office" xmlns:v="urn:schemas-microsoft-com:vml" xmlns:pvml="urn:schemas-microsoft-com:office:powerpoint" xmlns:com="http://schemas.openxmlformats.org/drawingml/2006/compatibility" xmlns:p14="http://schemas.microsoft.com/office/powerpoint/2010/main" xmlns:p15="http://schemas.microsoft.com/office/powerpoint/2012/main" showMasterPhAnim="0" showMasterSp="0">
   <p:cSld>
     <p:spTree>
       <p:nvGrpSpPr>
-        <p:cNvPr id="56" name="Shape 56"/>
+        <p:cNvPr id="148" name="Shape 148"/>
         <p:cNvGrpSpPr/>
         <p:nvPr/>
       </p:nvGrpSpPr>
@@ -1410,7 +1412,7 @@
       </p:grpSpPr>
       <p:sp>
         <p:nvSpPr>
-          <p:cNvPr id="57" name="Google Shape;57;g4632f19095_0_60:notes"/>
+          <p:cNvPr id="149" name="Google Shape;149;g4632f19095_0_50:notes"/>
           <p:cNvSpPr/>
           <p:nvPr>
             <p:ph idx="2" type="sldImg"/>
@@ -1445,7 +1447,7 @@
       </p:sp>
       <p:sp>
         <p:nvSpPr>
-          <p:cNvPr id="58" name="Google Shape;58;g4632f19095_0_60:notes"/>
+          <p:cNvPr id="150" name="Google Shape;150;g4632f19095_0_50:notes"/>
           <p:cNvSpPr txBox="1"/>
           <p:nvPr>
             <p:ph idx="1" type="body"/>
@@ -1490,12 +1492,12 @@
 </p:notes>
 </file>
 
-<file path=ppt/notesSlides/notesSlide3.xml><?xml version="1.0" encoding="utf-8"?>
+<file path=ppt/notesSlides/notesSlide17.xml><?xml version="1.0" encoding="utf-8"?>
 <p:notes xmlns:a="http://schemas.openxmlformats.org/drawingml/2006/main" xmlns:r="http://schemas.openxmlformats.org/officeDocument/2006/relationships" xmlns:mc="http://schemas.openxmlformats.org/markup-compatibility/2006" xmlns:mv="urn:schemas-microsoft-com:mac:vml" xmlns:p="http://schemas.openxmlformats.org/presentationml/2006/main" xmlns:c="http://schemas.openxmlformats.org/drawingml/2006/chart" xmlns:dgm="http://schemas.openxmlformats.org/drawingml/2006/diagram" xmlns:o="urn:schemas-microsoft-com:office:office" xmlns:v="urn:schemas-microsoft-com:vml" xmlns:pvml="urn:schemas-microsoft-com:office:powerpoint" xmlns:com="http://schemas.openxmlformats.org/drawingml/2006/compatibility" xmlns:p14="http://schemas.microsoft.com/office/powerpoint/2010/main" xmlns:p15="http://schemas.microsoft.com/office/powerpoint/2012/main" showMasterPhAnim="0" showMasterSp="0">
   <p:cSld>
     <p:spTree>
       <p:nvGrpSpPr>
-        <p:cNvPr id="62" name="Shape 62"/>
+        <p:cNvPr id="154" name="Shape 154"/>
         <p:cNvGrpSpPr/>
         <p:nvPr/>
       </p:nvGrpSpPr>
@@ -1509,7 +1511,7 @@
       </p:grpSpPr>
       <p:sp>
         <p:nvSpPr>
-          <p:cNvPr id="63" name="Google Shape;63;g4632f19095_0_55:notes"/>
+          <p:cNvPr id="155" name="Google Shape;155;g33a9adf64e_0_25:notes"/>
           <p:cNvSpPr/>
           <p:nvPr>
             <p:ph idx="2" type="sldImg"/>
@@ -1544,7 +1546,7 @@
       </p:sp>
       <p:sp>
         <p:nvSpPr>
-          <p:cNvPr id="64" name="Google Shape;64;g4632f19095_0_55:notes"/>
+          <p:cNvPr id="156" name="Google Shape;156;g33a9adf64e_0_25:notes"/>
           <p:cNvSpPr txBox="1"/>
           <p:nvPr>
             <p:ph idx="1" type="body"/>
@@ -1589,12 +1591,12 @@
 </p:notes>
 </file>
 
-<file path=ppt/notesSlides/notesSlide4.xml><?xml version="1.0" encoding="utf-8"?>
+<file path=ppt/notesSlides/notesSlide2.xml><?xml version="1.0" encoding="utf-8"?>
 <p:notes xmlns:a="http://schemas.openxmlformats.org/drawingml/2006/main" xmlns:r="http://schemas.openxmlformats.org/officeDocument/2006/relationships" xmlns:mc="http://schemas.openxmlformats.org/markup-compatibility/2006" xmlns:mv="urn:schemas-microsoft-com:mac:vml" xmlns:p="http://schemas.openxmlformats.org/presentationml/2006/main" xmlns:c="http://schemas.openxmlformats.org/drawingml/2006/chart" xmlns:dgm="http://schemas.openxmlformats.org/drawingml/2006/diagram" xmlns:o="urn:schemas-microsoft-com:office:office" xmlns:v="urn:schemas-microsoft-com:vml" xmlns:pvml="urn:schemas-microsoft-com:office:powerpoint" xmlns:com="http://schemas.openxmlformats.org/drawingml/2006/compatibility" xmlns:p14="http://schemas.microsoft.com/office/powerpoint/2010/main" xmlns:p15="http://schemas.microsoft.com/office/powerpoint/2012/main" showMasterPhAnim="0" showMasterSp="0">
   <p:cSld>
     <p:spTree>
       <p:nvGrpSpPr>
-        <p:cNvPr id="68" name="Shape 68"/>
+        <p:cNvPr id="56" name="Shape 56"/>
         <p:cNvGrpSpPr/>
         <p:nvPr/>
       </p:nvGrpSpPr>
@@ -1608,7 +1610,7 @@
       </p:grpSpPr>
       <p:sp>
         <p:nvSpPr>
-          <p:cNvPr id="69" name="Google Shape;69;g4632f19095_0_0:notes"/>
+          <p:cNvPr id="57" name="Google Shape;57;g4632f19095_0_0:notes"/>
           <p:cNvSpPr/>
           <p:nvPr>
             <p:ph idx="2" type="sldImg"/>
@@ -1643,7 +1645,7 @@
       </p:sp>
       <p:sp>
         <p:nvSpPr>
-          <p:cNvPr id="70" name="Google Shape;70;g4632f19095_0_0:notes"/>
+          <p:cNvPr id="58" name="Google Shape;58;g4632f19095_0_0:notes"/>
           <p:cNvSpPr txBox="1"/>
           <p:nvPr>
             <p:ph idx="1" type="body"/>
@@ -1688,12 +1690,12 @@
 </p:notes>
 </file>
 
-<file path=ppt/notesSlides/notesSlide5.xml><?xml version="1.0" encoding="utf-8"?>
+<file path=ppt/notesSlides/notesSlide3.xml><?xml version="1.0" encoding="utf-8"?>
 <p:notes xmlns:a="http://schemas.openxmlformats.org/drawingml/2006/main" xmlns:r="http://schemas.openxmlformats.org/officeDocument/2006/relationships" xmlns:mc="http://schemas.openxmlformats.org/markup-compatibility/2006" xmlns:mv="urn:schemas-microsoft-com:mac:vml" xmlns:p="http://schemas.openxmlformats.org/presentationml/2006/main" xmlns:c="http://schemas.openxmlformats.org/drawingml/2006/chart" xmlns:dgm="http://schemas.openxmlformats.org/drawingml/2006/diagram" xmlns:o="urn:schemas-microsoft-com:office:office" xmlns:v="urn:schemas-microsoft-com:vml" xmlns:pvml="urn:schemas-microsoft-com:office:powerpoint" xmlns:com="http://schemas.openxmlformats.org/drawingml/2006/compatibility" xmlns:p14="http://schemas.microsoft.com/office/powerpoint/2010/main" xmlns:p15="http://schemas.microsoft.com/office/powerpoint/2012/main" showMasterPhAnim="0" showMasterSp="0">
   <p:cSld>
     <p:spTree>
       <p:nvGrpSpPr>
-        <p:cNvPr id="74" name="Shape 74"/>
+        <p:cNvPr id="64" name="Shape 64"/>
         <p:cNvGrpSpPr/>
         <p:nvPr/>
       </p:nvGrpSpPr>
@@ -1707,7 +1709,7 @@
       </p:grpSpPr>
       <p:sp>
         <p:nvSpPr>
-          <p:cNvPr id="75" name="Google Shape;75;g4632f19095_0_65:notes"/>
+          <p:cNvPr id="65" name="Google Shape;65;g33a9adf64e_0_0:notes"/>
           <p:cNvSpPr/>
           <p:nvPr>
             <p:ph idx="2" type="sldImg"/>
@@ -1742,7 +1744,7 @@
       </p:sp>
       <p:sp>
         <p:nvSpPr>
-          <p:cNvPr id="76" name="Google Shape;76;g4632f19095_0_65:notes"/>
+          <p:cNvPr id="66" name="Google Shape;66;g33a9adf64e_0_0:notes"/>
           <p:cNvSpPr txBox="1"/>
           <p:nvPr>
             <p:ph idx="1" type="body"/>
@@ -1787,12 +1789,12 @@
 </p:notes>
 </file>
 
-<file path=ppt/notesSlides/notesSlide6.xml><?xml version="1.0" encoding="utf-8"?>
+<file path=ppt/notesSlides/notesSlide4.xml><?xml version="1.0" encoding="utf-8"?>
 <p:notes xmlns:a="http://schemas.openxmlformats.org/drawingml/2006/main" xmlns:r="http://schemas.openxmlformats.org/officeDocument/2006/relationships" xmlns:mc="http://schemas.openxmlformats.org/markup-compatibility/2006" xmlns:mv="urn:schemas-microsoft-com:mac:vml" xmlns:p="http://schemas.openxmlformats.org/presentationml/2006/main" xmlns:c="http://schemas.openxmlformats.org/drawingml/2006/chart" xmlns:dgm="http://schemas.openxmlformats.org/drawingml/2006/diagram" xmlns:o="urn:schemas-microsoft-com:office:office" xmlns:v="urn:schemas-microsoft-com:vml" xmlns:pvml="urn:schemas-microsoft-com:office:powerpoint" xmlns:com="http://schemas.openxmlformats.org/drawingml/2006/compatibility" xmlns:p14="http://schemas.microsoft.com/office/powerpoint/2010/main" xmlns:p15="http://schemas.microsoft.com/office/powerpoint/2012/main" showMasterPhAnim="0" showMasterSp="0">
   <p:cSld>
     <p:spTree>
       <p:nvGrpSpPr>
-        <p:cNvPr id="80" name="Shape 80"/>
+        <p:cNvPr id="72" name="Shape 72"/>
         <p:cNvGrpSpPr/>
         <p:nvPr/>
       </p:nvGrpSpPr>
@@ -1806,7 +1808,7 @@
       </p:grpSpPr>
       <p:sp>
         <p:nvSpPr>
-          <p:cNvPr id="81" name="Google Shape;81;g4632f19095_0_5:notes"/>
+          <p:cNvPr id="73" name="Google Shape;73;g4632f19095_0_5:notes"/>
           <p:cNvSpPr/>
           <p:nvPr>
             <p:ph idx="2" type="sldImg"/>
@@ -1841,7 +1843,7 @@
       </p:sp>
       <p:sp>
         <p:nvSpPr>
-          <p:cNvPr id="82" name="Google Shape;82;g4632f19095_0_5:notes"/>
+          <p:cNvPr id="74" name="Google Shape;74;g4632f19095_0_5:notes"/>
           <p:cNvSpPr txBox="1"/>
           <p:nvPr>
             <p:ph idx="1" type="body"/>
@@ -1886,12 +1888,12 @@
 </p:notes>
 </file>
 
-<file path=ppt/notesSlides/notesSlide7.xml><?xml version="1.0" encoding="utf-8"?>
+<file path=ppt/notesSlides/notesSlide5.xml><?xml version="1.0" encoding="utf-8"?>
 <p:notes xmlns:a="http://schemas.openxmlformats.org/drawingml/2006/main" xmlns:r="http://schemas.openxmlformats.org/officeDocument/2006/relationships" xmlns:mc="http://schemas.openxmlformats.org/markup-compatibility/2006" xmlns:mv="urn:schemas-microsoft-com:mac:vml" xmlns:p="http://schemas.openxmlformats.org/presentationml/2006/main" xmlns:c="http://schemas.openxmlformats.org/drawingml/2006/chart" xmlns:dgm="http://schemas.openxmlformats.org/drawingml/2006/diagram" xmlns:o="urn:schemas-microsoft-com:office:office" xmlns:v="urn:schemas-microsoft-com:vml" xmlns:pvml="urn:schemas-microsoft-com:office:powerpoint" xmlns:com="http://schemas.openxmlformats.org/drawingml/2006/compatibility" xmlns:p14="http://schemas.microsoft.com/office/powerpoint/2010/main" xmlns:p15="http://schemas.microsoft.com/office/powerpoint/2012/main" showMasterPhAnim="0" showMasterSp="0">
   <p:cSld>
     <p:spTree>
       <p:nvGrpSpPr>
-        <p:cNvPr id="86" name="Shape 86"/>
+        <p:cNvPr id="78" name="Shape 78"/>
         <p:cNvGrpSpPr/>
         <p:nvPr/>
       </p:nvGrpSpPr>
@@ -1905,7 +1907,7 @@
       </p:grpSpPr>
       <p:sp>
         <p:nvSpPr>
-          <p:cNvPr id="87" name="Google Shape;87;g4632f19095_0_10:notes"/>
+          <p:cNvPr id="79" name="Google Shape;79;g4632f19095_0_10:notes"/>
           <p:cNvSpPr/>
           <p:nvPr>
             <p:ph idx="2" type="sldImg"/>
@@ -1940,7 +1942,7 @@
       </p:sp>
       <p:sp>
         <p:nvSpPr>
-          <p:cNvPr id="88" name="Google Shape;88;g4632f19095_0_10:notes"/>
+          <p:cNvPr id="80" name="Google Shape;80;g4632f19095_0_10:notes"/>
           <p:cNvSpPr txBox="1"/>
           <p:nvPr>
             <p:ph idx="1" type="body"/>
@@ -1985,12 +1987,12 @@
 </p:notes>
 </file>
 
-<file path=ppt/notesSlides/notesSlide8.xml><?xml version="1.0" encoding="utf-8"?>
+<file path=ppt/notesSlides/notesSlide6.xml><?xml version="1.0" encoding="utf-8"?>
 <p:notes xmlns:a="http://schemas.openxmlformats.org/drawingml/2006/main" xmlns:r="http://schemas.openxmlformats.org/officeDocument/2006/relationships" xmlns:mc="http://schemas.openxmlformats.org/markup-compatibility/2006" xmlns:mv="urn:schemas-microsoft-com:mac:vml" xmlns:p="http://schemas.openxmlformats.org/presentationml/2006/main" xmlns:c="http://schemas.openxmlformats.org/drawingml/2006/chart" xmlns:dgm="http://schemas.openxmlformats.org/drawingml/2006/diagram" xmlns:o="urn:schemas-microsoft-com:office:office" xmlns:v="urn:schemas-microsoft-com:vml" xmlns:pvml="urn:schemas-microsoft-com:office:powerpoint" xmlns:com="http://schemas.openxmlformats.org/drawingml/2006/compatibility" xmlns:p14="http://schemas.microsoft.com/office/powerpoint/2010/main" xmlns:p15="http://schemas.microsoft.com/office/powerpoint/2012/main" showMasterPhAnim="0" showMasterSp="0">
   <p:cSld>
     <p:spTree>
       <p:nvGrpSpPr>
-        <p:cNvPr id="92" name="Shape 92"/>
+        <p:cNvPr id="86" name="Shape 86"/>
         <p:cNvGrpSpPr/>
         <p:nvPr/>
       </p:nvGrpSpPr>
@@ -2004,7 +2006,7 @@
       </p:grpSpPr>
       <p:sp>
         <p:nvSpPr>
-          <p:cNvPr id="93" name="Google Shape;93;g4632f19095_0_15:notes"/>
+          <p:cNvPr id="87" name="Google Shape;87;g4632f19095_0_15:notes"/>
           <p:cNvSpPr/>
           <p:nvPr>
             <p:ph idx="2" type="sldImg"/>
@@ -2039,7 +2041,7 @@
       </p:sp>
       <p:sp>
         <p:nvSpPr>
-          <p:cNvPr id="94" name="Google Shape;94;g4632f19095_0_15:notes"/>
+          <p:cNvPr id="88" name="Google Shape;88;g4632f19095_0_15:notes"/>
           <p:cNvSpPr txBox="1"/>
           <p:nvPr>
             <p:ph idx="1" type="body"/>
@@ -2084,12 +2086,12 @@
 </p:notes>
 </file>
 
-<file path=ppt/notesSlides/notesSlide9.xml><?xml version="1.0" encoding="utf-8"?>
+<file path=ppt/notesSlides/notesSlide7.xml><?xml version="1.0" encoding="utf-8"?>
 <p:notes xmlns:a="http://schemas.openxmlformats.org/drawingml/2006/main" xmlns:r="http://schemas.openxmlformats.org/officeDocument/2006/relationships" xmlns:mc="http://schemas.openxmlformats.org/markup-compatibility/2006" xmlns:mv="urn:schemas-microsoft-com:mac:vml" xmlns:p="http://schemas.openxmlformats.org/presentationml/2006/main" xmlns:c="http://schemas.openxmlformats.org/drawingml/2006/chart" xmlns:dgm="http://schemas.openxmlformats.org/drawingml/2006/diagram" xmlns:o="urn:schemas-microsoft-com:office:office" xmlns:v="urn:schemas-microsoft-com:vml" xmlns:pvml="urn:schemas-microsoft-com:office:powerpoint" xmlns:com="http://schemas.openxmlformats.org/drawingml/2006/compatibility" xmlns:p14="http://schemas.microsoft.com/office/powerpoint/2010/main" xmlns:p15="http://schemas.microsoft.com/office/powerpoint/2012/main" showMasterPhAnim="0" showMasterSp="0">
   <p:cSld>
     <p:spTree>
       <p:nvGrpSpPr>
-        <p:cNvPr id="98" name="Shape 98"/>
+        <p:cNvPr id="93" name="Shape 93"/>
         <p:cNvGrpSpPr/>
         <p:nvPr/>
       </p:nvGrpSpPr>
@@ -2103,7 +2105,7 @@
       </p:grpSpPr>
       <p:sp>
         <p:nvSpPr>
-          <p:cNvPr id="99" name="Google Shape;99;g4632f19095_0_20:notes"/>
+          <p:cNvPr id="94" name="Google Shape;94;g4632f19095_0_20:notes"/>
           <p:cNvSpPr/>
           <p:nvPr>
             <p:ph idx="2" type="sldImg"/>
@@ -2138,7 +2140,205 @@
       </p:sp>
       <p:sp>
         <p:nvSpPr>
-          <p:cNvPr id="100" name="Google Shape;100;g4632f19095_0_20:notes"/>
+          <p:cNvPr id="95" name="Google Shape;95;g4632f19095_0_20:notes"/>
+          <p:cNvSpPr txBox="1"/>
+          <p:nvPr>
+            <p:ph idx="1" type="body"/>
+          </p:nvPr>
+        </p:nvSpPr>
+        <p:spPr>
+          <a:xfrm>
+            <a:off x="685800" y="4343400"/>
+            <a:ext cx="5486400" cy="4114800"/>
+          </a:xfrm>
+          <a:prstGeom prst="rect">
+            <a:avLst/>
+          </a:prstGeom>
+        </p:spPr>
+        <p:txBody>
+          <a:bodyPr anchorCtr="0" anchor="t" bIns="91425" lIns="91425" spcFirstLastPara="1" rIns="91425" wrap="square" tIns="91425">
+            <a:noAutofit/>
+          </a:bodyPr>
+          <a:lstStyle/>
+          <a:p>
+            <a:pPr indent="0" lvl="0" marL="0" rtl="0" algn="l">
+              <a:spcBef>
+                <a:spcPts val="0"/>
+              </a:spcBef>
+              <a:spcAft>
+                <a:spcPts val="0"/>
+              </a:spcAft>
+              <a:buNone/>
+            </a:pPr>
+            <a:r>
+              <a:t/>
+            </a:r>
+            <a:endParaRPr/>
+          </a:p>
+        </p:txBody>
+      </p:sp>
+    </p:spTree>
+  </p:cSld>
+  <p:clrMapOvr>
+    <a:masterClrMapping/>
+  </p:clrMapOvr>
+</p:notes>
+</file>
+
+<file path=ppt/notesSlides/notesSlide8.xml><?xml version="1.0" encoding="utf-8"?>
+<p:notes xmlns:a="http://schemas.openxmlformats.org/drawingml/2006/main" xmlns:r="http://schemas.openxmlformats.org/officeDocument/2006/relationships" xmlns:mc="http://schemas.openxmlformats.org/markup-compatibility/2006" xmlns:mv="urn:schemas-microsoft-com:mac:vml" xmlns:p="http://schemas.openxmlformats.org/presentationml/2006/main" xmlns:c="http://schemas.openxmlformats.org/drawingml/2006/chart" xmlns:dgm="http://schemas.openxmlformats.org/drawingml/2006/diagram" xmlns:o="urn:schemas-microsoft-com:office:office" xmlns:v="urn:schemas-microsoft-com:vml" xmlns:pvml="urn:schemas-microsoft-com:office:powerpoint" xmlns:com="http://schemas.openxmlformats.org/drawingml/2006/compatibility" xmlns:p14="http://schemas.microsoft.com/office/powerpoint/2010/main" xmlns:p15="http://schemas.microsoft.com/office/powerpoint/2012/main" showMasterPhAnim="0" showMasterSp="0">
+  <p:cSld>
+    <p:spTree>
+      <p:nvGrpSpPr>
+        <p:cNvPr id="99" name="Shape 99"/>
+        <p:cNvGrpSpPr/>
+        <p:nvPr/>
+      </p:nvGrpSpPr>
+      <p:grpSpPr>
+        <a:xfrm>
+          <a:off x="0" y="0"/>
+          <a:ext cx="0" cy="0"/>
+          <a:chOff x="0" y="0"/>
+          <a:chExt cx="0" cy="0"/>
+        </a:xfrm>
+      </p:grpSpPr>
+      <p:sp>
+        <p:nvSpPr>
+          <p:cNvPr id="100" name="Google Shape;100;g4632f19095_0_25:notes"/>
+          <p:cNvSpPr/>
+          <p:nvPr>
+            <p:ph idx="2" type="sldImg"/>
+          </p:nvPr>
+        </p:nvSpPr>
+        <p:spPr>
+          <a:xfrm>
+            <a:off x="381300" y="685800"/>
+            <a:ext cx="6096000" cy="3429000"/>
+          </a:xfrm>
+          <a:custGeom>
+            <a:rect b="b" l="l" r="r" t="t"/>
+            <a:pathLst>
+              <a:path extrusionOk="0" h="120000" w="120000">
+                <a:moveTo>
+                  <a:pt x="0" y="0"/>
+                </a:moveTo>
+                <a:lnTo>
+                  <a:pt x="120000" y="0"/>
+                </a:lnTo>
+                <a:lnTo>
+                  <a:pt x="120000" y="120000"/>
+                </a:lnTo>
+                <a:lnTo>
+                  <a:pt x="0" y="120000"/>
+                </a:lnTo>
+                <a:close/>
+              </a:path>
+            </a:pathLst>
+          </a:custGeom>
+        </p:spPr>
+      </p:sp>
+      <p:sp>
+        <p:nvSpPr>
+          <p:cNvPr id="101" name="Google Shape;101;g4632f19095_0_25:notes"/>
+          <p:cNvSpPr txBox="1"/>
+          <p:nvPr>
+            <p:ph idx="1" type="body"/>
+          </p:nvPr>
+        </p:nvSpPr>
+        <p:spPr>
+          <a:xfrm>
+            <a:off x="685800" y="4343400"/>
+            <a:ext cx="5486400" cy="4114800"/>
+          </a:xfrm>
+          <a:prstGeom prst="rect">
+            <a:avLst/>
+          </a:prstGeom>
+        </p:spPr>
+        <p:txBody>
+          <a:bodyPr anchorCtr="0" anchor="t" bIns="91425" lIns="91425" spcFirstLastPara="1" rIns="91425" wrap="square" tIns="91425">
+            <a:noAutofit/>
+          </a:bodyPr>
+          <a:lstStyle/>
+          <a:p>
+            <a:pPr indent="0" lvl="0" marL="0" rtl="0" algn="l">
+              <a:spcBef>
+                <a:spcPts val="0"/>
+              </a:spcBef>
+              <a:spcAft>
+                <a:spcPts val="0"/>
+              </a:spcAft>
+              <a:buNone/>
+            </a:pPr>
+            <a:r>
+              <a:t/>
+            </a:r>
+            <a:endParaRPr/>
+          </a:p>
+        </p:txBody>
+      </p:sp>
+    </p:spTree>
+  </p:cSld>
+  <p:clrMapOvr>
+    <a:masterClrMapping/>
+  </p:clrMapOvr>
+</p:notes>
+</file>
+
+<file path=ppt/notesSlides/notesSlide9.xml><?xml version="1.0" encoding="utf-8"?>
+<p:notes xmlns:a="http://schemas.openxmlformats.org/drawingml/2006/main" xmlns:r="http://schemas.openxmlformats.org/officeDocument/2006/relationships" xmlns:mc="http://schemas.openxmlformats.org/markup-compatibility/2006" xmlns:mv="urn:schemas-microsoft-com:mac:vml" xmlns:p="http://schemas.openxmlformats.org/presentationml/2006/main" xmlns:c="http://schemas.openxmlformats.org/drawingml/2006/chart" xmlns:dgm="http://schemas.openxmlformats.org/drawingml/2006/diagram" xmlns:o="urn:schemas-microsoft-com:office:office" xmlns:v="urn:schemas-microsoft-com:vml" xmlns:pvml="urn:schemas-microsoft-com:office:powerpoint" xmlns:com="http://schemas.openxmlformats.org/drawingml/2006/compatibility" xmlns:p14="http://schemas.microsoft.com/office/powerpoint/2010/main" xmlns:p15="http://schemas.microsoft.com/office/powerpoint/2012/main" showMasterPhAnim="0" showMasterSp="0">
+  <p:cSld>
+    <p:spTree>
+      <p:nvGrpSpPr>
+        <p:cNvPr id="105" name="Shape 105"/>
+        <p:cNvGrpSpPr/>
+        <p:nvPr/>
+      </p:nvGrpSpPr>
+      <p:grpSpPr>
+        <a:xfrm>
+          <a:off x="0" y="0"/>
+          <a:ext cx="0" cy="0"/>
+          <a:chOff x="0" y="0"/>
+          <a:chExt cx="0" cy="0"/>
+        </a:xfrm>
+      </p:grpSpPr>
+      <p:sp>
+        <p:nvSpPr>
+          <p:cNvPr id="106" name="Google Shape;106;g4632f19095_0_30:notes"/>
+          <p:cNvSpPr/>
+          <p:nvPr>
+            <p:ph idx="2" type="sldImg"/>
+          </p:nvPr>
+        </p:nvSpPr>
+        <p:spPr>
+          <a:xfrm>
+            <a:off x="381300" y="685800"/>
+            <a:ext cx="6096000" cy="3429000"/>
+          </a:xfrm>
+          <a:custGeom>
+            <a:rect b="b" l="l" r="r" t="t"/>
+            <a:pathLst>
+              <a:path extrusionOk="0" h="120000" w="120000">
+                <a:moveTo>
+                  <a:pt x="0" y="0"/>
+                </a:moveTo>
+                <a:lnTo>
+                  <a:pt x="120000" y="0"/>
+                </a:lnTo>
+                <a:lnTo>
+                  <a:pt x="120000" y="120000"/>
+                </a:lnTo>
+                <a:lnTo>
+                  <a:pt x="0" y="120000"/>
+                </a:lnTo>
+                <a:close/>
+              </a:path>
+            </a:pathLst>
+          </a:custGeom>
+        </p:spPr>
+      </p:sp>
+      <p:sp>
+        <p:nvSpPr>
+          <p:cNvPr id="107" name="Google Shape;107;g4632f19095_0_30:notes"/>
           <p:cNvSpPr txBox="1"/>
           <p:nvPr>
             <p:ph idx="1" type="body"/>
@@ -6819,7 +7019,7 @@
         </p:nvSpPr>
         <p:spPr>
           <a:xfrm>
-            <a:off x="311700" y="970900"/>
+            <a:off x="311700" y="1652450"/>
             <a:ext cx="8520600" cy="744900"/>
           </a:xfrm>
           <a:prstGeom prst="rect">
@@ -6833,16 +7033,25 @@
           <a:lstStyle/>
           <a:p>
             <a:pPr indent="0" lvl="0" marL="0" rtl="0" algn="ctr">
-              <a:spcBef>
-                <a:spcPts val="0"/>
-              </a:spcBef>
-              <a:spcAft>
-                <a:spcPts val="0"/>
-              </a:spcAft>
-              <a:buNone/>
-            </a:pPr>
-            <a:r>
-              <a:t/>
+              <a:lnSpc>
+                <a:spcPct val="200000"/>
+              </a:lnSpc>
+              <a:spcBef>
+                <a:spcPts val="900"/>
+              </a:spcBef>
+              <a:spcAft>
+                <a:spcPts val="900"/>
+              </a:spcAft>
+              <a:buClr>
+                <a:schemeClr val="dk1"/>
+              </a:buClr>
+              <a:buSzPts val="1100"/>
+              <a:buFont typeface="Arial"/>
+              <a:buNone/>
+            </a:pPr>
+            <a:r>
+              <a:rPr lang="en" sz="3000"/>
+              <a:t>Myanmar’s Transitional Justice Period and Continued Strife</a:t>
             </a:r>
             <a:endParaRPr/>
           </a:p>
@@ -6881,7 +7090,8 @@
               <a:buNone/>
             </a:pPr>
             <a:r>
-              <a:t/>
+              <a:rPr lang="en"/>
+              <a:t>By Jonah DiCorcia</a:t>
             </a:r>
             <a:endParaRPr/>
           </a:p>
@@ -6900,7 +7110,7 @@
   <p:cSld>
     <p:spTree>
       <p:nvGrpSpPr>
-        <p:cNvPr id="107" name="Shape 107"/>
+        <p:cNvPr id="114" name="Shape 114"/>
         <p:cNvGrpSpPr/>
         <p:nvPr/>
       </p:nvGrpSpPr>
@@ -6914,7 +7124,7 @@
       </p:grpSpPr>
       <p:sp>
         <p:nvSpPr>
-          <p:cNvPr id="108" name="Google Shape;108;p22"/>
+          <p:cNvPr id="115" name="Google Shape;115;p22"/>
           <p:cNvSpPr txBox="1"/>
           <p:nvPr>
             <p:ph type="title"/>
@@ -6946,7 +7156,7 @@
             </a:pPr>
             <a:r>
               <a:rPr lang="en"/>
-              <a:t>Atrocities Committed</a:t>
+              <a:t>Transitional Justice Mechanisms Used after the war</a:t>
             </a:r>
             <a:endParaRPr/>
           </a:p>
@@ -6954,7 +7164,7 @@
       </p:sp>
       <p:sp>
         <p:nvSpPr>
-          <p:cNvPr id="109" name="Google Shape;109;p22"/>
+          <p:cNvPr id="116" name="Google Shape;116;p22"/>
           <p:cNvSpPr txBox="1"/>
           <p:nvPr>
             <p:ph idx="1" type="body"/>
@@ -6975,17 +7185,70 @@
           </a:bodyPr>
           <a:lstStyle/>
           <a:p>
-            <a:pPr indent="0" lvl="0" marL="0" rtl="0" algn="l">
-              <a:spcBef>
-                <a:spcPts val="0"/>
-              </a:spcBef>
-              <a:spcAft>
-                <a:spcPts val="1600"/>
-              </a:spcAft>
-              <a:buNone/>
-            </a:pPr>
-            <a:r>
-              <a:t/>
+            <a:pPr indent="-342900" lvl="0" marL="457200" rtl="0" algn="l">
+              <a:lnSpc>
+                <a:spcPct val="200000"/>
+              </a:lnSpc>
+              <a:spcBef>
+                <a:spcPts val="0"/>
+              </a:spcBef>
+              <a:spcAft>
+                <a:spcPts val="0"/>
+              </a:spcAft>
+              <a:buSzPts val="1800"/>
+              <a:buChar char="●"/>
+            </a:pPr>
+            <a:r>
+              <a:rPr lang="en"/>
+              <a:t>Releasing and </a:t>
+            </a:r>
+            <a:r>
+              <a:rPr lang="en"/>
+              <a:t>reviewing</a:t>
+            </a:r>
+            <a:r>
+              <a:rPr lang="en"/>
+              <a:t> of </a:t>
+            </a:r>
+            <a:r>
+              <a:rPr lang="en"/>
+              <a:t>prisoners</a:t>
+            </a:r>
+            <a:r>
+              <a:rPr lang="en"/>
+              <a:t> </a:t>
+            </a:r>
+            <a:endParaRPr/>
+          </a:p>
+          <a:p>
+            <a:pPr indent="-342900" lvl="0" marL="457200" rtl="0" algn="l">
+              <a:lnSpc>
+                <a:spcPct val="200000"/>
+              </a:lnSpc>
+              <a:spcBef>
+                <a:spcPts val="0"/>
+              </a:spcBef>
+              <a:spcAft>
+                <a:spcPts val="0"/>
+              </a:spcAft>
+              <a:buSzPts val="1800"/>
+              <a:buChar char="●"/>
+            </a:pPr>
+            <a:r>
+              <a:rPr lang="en"/>
+              <a:t>Immunity</a:t>
+            </a:r>
+            <a:r>
+              <a:rPr lang="en"/>
+              <a:t> to former rebels and </a:t>
+            </a:r>
+            <a:r>
+              <a:rPr lang="en"/>
+              <a:t>government</a:t>
+            </a:r>
+            <a:r>
+              <a:rPr lang="en"/>
+              <a:t> officials</a:t>
             </a:r>
             <a:endParaRPr/>
           </a:p>
@@ -7004,7 +7267,7 @@
   <p:cSld>
     <p:spTree>
       <p:nvGrpSpPr>
-        <p:cNvPr id="113" name="Shape 113"/>
+        <p:cNvPr id="120" name="Shape 120"/>
         <p:cNvGrpSpPr/>
         <p:nvPr/>
       </p:nvGrpSpPr>
@@ -7018,7 +7281,286 @@
       </p:grpSpPr>
       <p:sp>
         <p:nvSpPr>
-          <p:cNvPr id="114" name="Google Shape;114;p23"/>
+          <p:cNvPr id="121" name="Google Shape;121;p23"/>
+          <p:cNvSpPr txBox="1"/>
+          <p:nvPr>
+            <p:ph type="title"/>
+          </p:nvPr>
+        </p:nvSpPr>
+        <p:spPr>
+          <a:xfrm>
+            <a:off x="253375" y="468350"/>
+            <a:ext cx="8520600" cy="572700"/>
+          </a:xfrm>
+          <a:prstGeom prst="rect">
+            <a:avLst/>
+          </a:prstGeom>
+        </p:spPr>
+        <p:txBody>
+          <a:bodyPr anchorCtr="0" anchor="t" bIns="91425" lIns="91425" spcFirstLastPara="1" rIns="91425" wrap="square" tIns="91425">
+            <a:noAutofit/>
+          </a:bodyPr>
+          <a:lstStyle/>
+          <a:p>
+            <a:pPr indent="0" lvl="0" marL="0" rtl="0" algn="l">
+              <a:spcBef>
+                <a:spcPts val="0"/>
+              </a:spcBef>
+              <a:spcAft>
+                <a:spcPts val="0"/>
+              </a:spcAft>
+              <a:buNone/>
+            </a:pPr>
+            <a:r>
+              <a:rPr lang="en"/>
+              <a:t>Myanmar Today</a:t>
+            </a:r>
+            <a:endParaRPr/>
+          </a:p>
+        </p:txBody>
+      </p:sp>
+      <p:sp>
+        <p:nvSpPr>
+          <p:cNvPr id="122" name="Google Shape;122;p23"/>
+          <p:cNvSpPr txBox="1"/>
+          <p:nvPr>
+            <p:ph idx="1" type="body"/>
+          </p:nvPr>
+        </p:nvSpPr>
+        <p:spPr>
+          <a:xfrm>
+            <a:off x="253375" y="1169350"/>
+            <a:ext cx="8520600" cy="3416400"/>
+          </a:xfrm>
+          <a:prstGeom prst="rect">
+            <a:avLst/>
+          </a:prstGeom>
+        </p:spPr>
+        <p:txBody>
+          <a:bodyPr anchorCtr="0" anchor="t" bIns="91425" lIns="91425" spcFirstLastPara="1" rIns="91425" wrap="square" tIns="91425">
+            <a:noAutofit/>
+          </a:bodyPr>
+          <a:lstStyle/>
+          <a:p>
+            <a:pPr indent="-342900" lvl="0" marL="457200" rtl="0" algn="l">
+              <a:lnSpc>
+                <a:spcPct val="200000"/>
+              </a:lnSpc>
+              <a:spcBef>
+                <a:spcPts val="0"/>
+              </a:spcBef>
+              <a:spcAft>
+                <a:spcPts val="0"/>
+              </a:spcAft>
+              <a:buSzPts val="1800"/>
+              <a:buChar char="●"/>
+            </a:pPr>
+            <a:r>
+              <a:rPr lang="en"/>
+              <a:t>Economy </a:t>
+            </a:r>
+            <a:endParaRPr/>
+          </a:p>
+          <a:p>
+            <a:pPr indent="-342900" lvl="0" marL="457200" rtl="0" algn="l">
+              <a:lnSpc>
+                <a:spcPct val="200000"/>
+              </a:lnSpc>
+              <a:spcBef>
+                <a:spcPts val="0"/>
+              </a:spcBef>
+              <a:spcAft>
+                <a:spcPts val="0"/>
+              </a:spcAft>
+              <a:buSzPts val="1800"/>
+              <a:buChar char="●"/>
+            </a:pPr>
+            <a:r>
+              <a:rPr lang="en"/>
+              <a:t>Insurgent groups</a:t>
+            </a:r>
+            <a:endParaRPr/>
+          </a:p>
+          <a:p>
+            <a:pPr indent="-342900" lvl="0" marL="457200" rtl="0" algn="l">
+              <a:lnSpc>
+                <a:spcPct val="200000"/>
+              </a:lnSpc>
+              <a:spcBef>
+                <a:spcPts val="0"/>
+              </a:spcBef>
+              <a:spcAft>
+                <a:spcPts val="0"/>
+              </a:spcAft>
+              <a:buSzPts val="1800"/>
+              <a:buChar char="●"/>
+            </a:pPr>
+            <a:r>
+              <a:rPr lang="en"/>
+              <a:t>Military power</a:t>
+            </a:r>
+            <a:endParaRPr/>
+          </a:p>
+          <a:p>
+            <a:pPr indent="-342900" lvl="0" marL="457200" rtl="0" algn="l">
+              <a:lnSpc>
+                <a:spcPct val="200000"/>
+              </a:lnSpc>
+              <a:spcBef>
+                <a:spcPts val="0"/>
+              </a:spcBef>
+              <a:spcAft>
+                <a:spcPts val="0"/>
+              </a:spcAft>
+              <a:buSzPts val="1800"/>
+              <a:buChar char="●"/>
+            </a:pPr>
+            <a:r>
+              <a:rPr lang="en"/>
+              <a:t>Political prisoners</a:t>
+            </a:r>
+            <a:endParaRPr/>
+          </a:p>
+          <a:p>
+            <a:pPr indent="-342900" lvl="0" marL="457200" rtl="0" algn="l">
+              <a:lnSpc>
+                <a:spcPct val="200000"/>
+              </a:lnSpc>
+              <a:spcBef>
+                <a:spcPts val="0"/>
+              </a:spcBef>
+              <a:spcAft>
+                <a:spcPts val="0"/>
+              </a:spcAft>
+              <a:buSzPts val="1800"/>
+              <a:buChar char="●"/>
+            </a:pPr>
+            <a:r>
+              <a:rPr lang="en"/>
+              <a:t>Recent genocide</a:t>
+            </a:r>
+            <a:endParaRPr/>
+          </a:p>
+          <a:p>
+            <a:pPr indent="0" lvl="0" marL="457200" rtl="0" algn="l">
+              <a:lnSpc>
+                <a:spcPct val="200000"/>
+              </a:lnSpc>
+              <a:spcBef>
+                <a:spcPts val="1600"/>
+              </a:spcBef>
+              <a:spcAft>
+                <a:spcPts val="1600"/>
+              </a:spcAft>
+              <a:buNone/>
+            </a:pPr>
+            <a:r>
+              <a:t/>
+            </a:r>
+            <a:endParaRPr/>
+          </a:p>
+        </p:txBody>
+      </p:sp>
+      <p:pic>
+        <p:nvPicPr>
+          <p:cNvPr id="123" name="Google Shape;123;p23"/>
+          <p:cNvPicPr preferRelativeResize="0"/>
+          <p:nvPr/>
+        </p:nvPicPr>
+        <p:blipFill>
+          <a:blip r:embed="rId3">
+            <a:alphaModFix/>
+          </a:blip>
+          <a:stretch>
+            <a:fillRect/>
+          </a:stretch>
+        </p:blipFill>
+        <p:spPr>
+          <a:xfrm>
+            <a:off x="3898775" y="1595525"/>
+            <a:ext cx="5186900" cy="3279701"/>
+          </a:xfrm>
+          <a:prstGeom prst="rect">
+            <a:avLst/>
+          </a:prstGeom>
+          <a:noFill/>
+          <a:ln>
+            <a:noFill/>
+          </a:ln>
+        </p:spPr>
+      </p:pic>
+      <p:sp>
+        <p:nvSpPr>
+          <p:cNvPr id="124" name="Google Shape;124;p23"/>
+          <p:cNvSpPr txBox="1"/>
+          <p:nvPr/>
+        </p:nvSpPr>
+        <p:spPr>
+          <a:xfrm>
+            <a:off x="4467025" y="3440675"/>
+            <a:ext cx="3000000" cy="3000000"/>
+          </a:xfrm>
+          <a:prstGeom prst="rect">
+            <a:avLst/>
+          </a:prstGeom>
+          <a:noFill/>
+          <a:ln>
+            <a:noFill/>
+          </a:ln>
+        </p:spPr>
+        <p:txBody>
+          <a:bodyPr anchorCtr="0" anchor="ctr" bIns="91425" lIns="91425" spcFirstLastPara="1" rIns="91425" wrap="square" tIns="91425">
+            <a:noAutofit/>
+          </a:bodyPr>
+          <a:lstStyle/>
+          <a:p>
+            <a:pPr indent="0" lvl="0" marL="0" rtl="0" algn="l">
+              <a:spcBef>
+                <a:spcPts val="0"/>
+              </a:spcBef>
+              <a:spcAft>
+                <a:spcPts val="0"/>
+              </a:spcAft>
+              <a:buNone/>
+            </a:pPr>
+            <a:r>
+              <a:rPr lang="en" sz="1000" u="sng">
+                <a:hlinkClick r:id="rId4"/>
+              </a:rPr>
+              <a:t>needull.com</a:t>
+            </a:r>
+            <a:endParaRPr/>
+          </a:p>
+        </p:txBody>
+      </p:sp>
+    </p:spTree>
+  </p:cSld>
+  <p:clrMapOvr>
+    <a:masterClrMapping/>
+  </p:clrMapOvr>
+</p:sld>
+</file>
+
+<file path=ppt/slides/slide12.xml><?xml version="1.0" encoding="utf-8"?>
+<p:sld xmlns:a="http://schemas.openxmlformats.org/drawingml/2006/main" xmlns:r="http://schemas.openxmlformats.org/officeDocument/2006/relationships" xmlns:mc="http://schemas.openxmlformats.org/markup-compatibility/2006" xmlns:mv="urn:schemas-microsoft-com:mac:vml" xmlns:p="http://schemas.openxmlformats.org/presentationml/2006/main" xmlns:c="http://schemas.openxmlformats.org/drawingml/2006/chart" xmlns:dgm="http://schemas.openxmlformats.org/drawingml/2006/diagram" xmlns:o="urn:schemas-microsoft-com:office:office" xmlns:v="urn:schemas-microsoft-com:vml" xmlns:pvml="urn:schemas-microsoft-com:office:powerpoint" xmlns:com="http://schemas.openxmlformats.org/drawingml/2006/compatibility" xmlns:p14="http://schemas.microsoft.com/office/powerpoint/2010/main" xmlns:p15="http://schemas.microsoft.com/office/powerpoint/2012/main">
+  <p:cSld>
+    <p:spTree>
+      <p:nvGrpSpPr>
+        <p:cNvPr id="128" name="Shape 128"/>
+        <p:cNvGrpSpPr/>
+        <p:nvPr/>
+      </p:nvGrpSpPr>
+      <p:grpSpPr>
+        <a:xfrm>
+          <a:off x="0" y="0"/>
+          <a:ext cx="0" cy="0"/>
+          <a:chOff x="0" y="0"/>
+          <a:chExt cx="0" cy="0"/>
+        </a:xfrm>
+      </p:grpSpPr>
+      <p:sp>
+        <p:nvSpPr>
+          <p:cNvPr id="129" name="Google Shape;129;p24"/>
           <p:cNvSpPr txBox="1"/>
           <p:nvPr>
             <p:ph type="title"/>
@@ -7050,7 +7592,7 @@
             </a:pPr>
             <a:r>
               <a:rPr lang="en"/>
-              <a:t>Beginnings of Peace</a:t>
+              <a:t>Conclusion</a:t>
             </a:r>
             <a:endParaRPr/>
           </a:p>
@@ -7058,7 +7600,7 @@
       </p:sp>
       <p:sp>
         <p:nvSpPr>
-          <p:cNvPr id="115" name="Google Shape;115;p23"/>
+          <p:cNvPr id="130" name="Google Shape;130;p24"/>
           <p:cNvSpPr txBox="1"/>
           <p:nvPr>
             <p:ph idx="1" type="body"/>
@@ -7084,7 +7626,39 @@
                 <a:spcPts val="0"/>
               </a:spcBef>
               <a:spcAft>
+                <a:spcPts val="0"/>
+              </a:spcAft>
+              <a:buNone/>
+            </a:pPr>
+            <a:r>
+              <a:rPr lang="en"/>
+              <a:t>Small steps forward…</a:t>
+            </a:r>
+            <a:endParaRPr/>
+          </a:p>
+          <a:p>
+            <a:pPr indent="0" lvl="0" marL="0" rtl="0" algn="l">
+              <a:spcBef>
                 <a:spcPts val="1600"/>
+              </a:spcBef>
+              <a:spcAft>
+                <a:spcPts val="0"/>
+              </a:spcAft>
+              <a:buNone/>
+            </a:pPr>
+            <a:r>
+              <a:rPr lang="en"/>
+              <a:t>A large step back.</a:t>
+            </a:r>
+            <a:endParaRPr/>
+          </a:p>
+          <a:p>
+            <a:pPr indent="0" lvl="0" marL="0" rtl="0" algn="l">
+              <a:spcBef>
+                <a:spcPts val="1600"/>
+              </a:spcBef>
+              <a:spcAft>
+                <a:spcPts val="0"/>
               </a:spcAft>
               <a:buNone/>
             </a:pPr>
@@ -7092,6 +7666,155 @@
               <a:t/>
             </a:r>
             <a:endParaRPr/>
+          </a:p>
+          <a:p>
+            <a:pPr indent="0" lvl="0" marL="0" rtl="0" algn="l">
+              <a:spcBef>
+                <a:spcPts val="1600"/>
+              </a:spcBef>
+              <a:spcAft>
+                <a:spcPts val="0"/>
+              </a:spcAft>
+              <a:buNone/>
+            </a:pPr>
+            <a:r>
+              <a:rPr lang="en"/>
+              <a:t>Myanmar needs</a:t>
+            </a:r>
+            <a:endParaRPr/>
+          </a:p>
+          <a:p>
+            <a:pPr indent="0" lvl="0" marL="0" rtl="0" algn="l">
+              <a:spcBef>
+                <a:spcPts val="1600"/>
+              </a:spcBef>
+              <a:spcAft>
+                <a:spcPts val="0"/>
+              </a:spcAft>
+              <a:buNone/>
+            </a:pPr>
+            <a:r>
+              <a:rPr lang="en"/>
+              <a:t>Truth commission</a:t>
+            </a:r>
+            <a:endParaRPr/>
+          </a:p>
+          <a:p>
+            <a:pPr indent="-342900" lvl="0" marL="457200" rtl="0" algn="l">
+              <a:spcBef>
+                <a:spcPts val="1600"/>
+              </a:spcBef>
+              <a:spcAft>
+                <a:spcPts val="0"/>
+              </a:spcAft>
+              <a:buSzPts val="1800"/>
+              <a:buChar char="-"/>
+            </a:pPr>
+            <a:r>
+              <a:rPr lang="en"/>
+              <a:t>Justice </a:t>
+            </a:r>
+            <a:endParaRPr/>
+          </a:p>
+          <a:p>
+            <a:pPr indent="0" lvl="0" marL="0" rtl="0" algn="l">
+              <a:spcBef>
+                <a:spcPts val="1600"/>
+              </a:spcBef>
+              <a:spcAft>
+                <a:spcPts val="0"/>
+              </a:spcAft>
+              <a:buNone/>
+            </a:pPr>
+            <a:r>
+              <a:t/>
+            </a:r>
+            <a:endParaRPr/>
+          </a:p>
+          <a:p>
+            <a:pPr indent="0" lvl="0" marL="0" rtl="0" algn="l">
+              <a:spcBef>
+                <a:spcPts val="1600"/>
+              </a:spcBef>
+              <a:spcAft>
+                <a:spcPts val="1600"/>
+              </a:spcAft>
+              <a:buNone/>
+            </a:pPr>
+            <a:r>
+              <a:t/>
+            </a:r>
+            <a:endParaRPr/>
+          </a:p>
+        </p:txBody>
+      </p:sp>
+      <p:pic>
+        <p:nvPicPr>
+          <p:cNvPr id="131" name="Google Shape;131;p24"/>
+          <p:cNvPicPr preferRelativeResize="0"/>
+          <p:nvPr/>
+        </p:nvPicPr>
+        <p:blipFill>
+          <a:blip r:embed="rId3">
+            <a:alphaModFix/>
+          </a:blip>
+          <a:stretch>
+            <a:fillRect/>
+          </a:stretch>
+        </p:blipFill>
+        <p:spPr>
+          <a:xfrm>
+            <a:off x="2965244" y="901075"/>
+            <a:ext cx="6178756" cy="3475550"/>
+          </a:xfrm>
+          <a:prstGeom prst="rect">
+            <a:avLst/>
+          </a:prstGeom>
+          <a:noFill/>
+          <a:ln>
+            <a:noFill/>
+          </a:ln>
+        </p:spPr>
+      </p:pic>
+      <p:sp>
+        <p:nvSpPr>
+          <p:cNvPr id="132" name="Google Shape;132;p24"/>
+          <p:cNvSpPr txBox="1"/>
+          <p:nvPr/>
+        </p:nvSpPr>
+        <p:spPr>
+          <a:xfrm>
+            <a:off x="4286350" y="3160725"/>
+            <a:ext cx="4134600" cy="3000000"/>
+          </a:xfrm>
+          <a:prstGeom prst="rect">
+            <a:avLst/>
+          </a:prstGeom>
+          <a:noFill/>
+          <a:ln>
+            <a:noFill/>
+          </a:ln>
+        </p:spPr>
+        <p:txBody>
+          <a:bodyPr anchorCtr="0" anchor="ctr" bIns="91425" lIns="91425" spcFirstLastPara="1" rIns="91425" wrap="square" tIns="91425">
+            <a:noAutofit/>
+          </a:bodyPr>
+          <a:lstStyle/>
+          <a:p>
+            <a:pPr indent="0" lvl="0" marL="0" rtl="0" algn="l">
+              <a:spcBef>
+                <a:spcPts val="0"/>
+              </a:spcBef>
+              <a:spcAft>
+                <a:spcPts val="0"/>
+              </a:spcAft>
+              <a:buNone/>
+            </a:pPr>
+            <a:r>
+              <a:rPr lang="en" sz="800"/>
+              <a:t>https://www.aljazeera.com/news/2018/09/canada-declares-myanmar-rohingya-killings-genocide-180921062428272.html</a:t>
+            </a:r>
+            <a:endParaRPr sz="800"/>
           </a:p>
         </p:txBody>
       </p:sp>
@@ -7103,12 +7826,12 @@
 </p:sld>
 </file>
 
-<file path=ppt/slides/slide12.xml><?xml version="1.0" encoding="utf-8"?>
+<file path=ppt/slides/slide13.xml><?xml version="1.0" encoding="utf-8"?>
 <p:sld xmlns:a="http://schemas.openxmlformats.org/drawingml/2006/main" xmlns:r="http://schemas.openxmlformats.org/officeDocument/2006/relationships" xmlns:mc="http://schemas.openxmlformats.org/markup-compatibility/2006" xmlns:mv="urn:schemas-microsoft-com:mac:vml" xmlns:p="http://schemas.openxmlformats.org/presentationml/2006/main" xmlns:c="http://schemas.openxmlformats.org/drawingml/2006/chart" xmlns:dgm="http://schemas.openxmlformats.org/drawingml/2006/diagram" xmlns:o="urn:schemas-microsoft-com:office:office" xmlns:v="urn:schemas-microsoft-com:vml" xmlns:pvml="urn:schemas-microsoft-com:office:powerpoint" xmlns:com="http://schemas.openxmlformats.org/drawingml/2006/compatibility" xmlns:p14="http://schemas.microsoft.com/office/powerpoint/2010/main" xmlns:p15="http://schemas.microsoft.com/office/powerpoint/2012/main">
   <p:cSld>
     <p:spTree>
       <p:nvGrpSpPr>
-        <p:cNvPr id="119" name="Shape 119"/>
+        <p:cNvPr id="136" name="Shape 136"/>
         <p:cNvGrpSpPr/>
         <p:nvPr/>
       </p:nvGrpSpPr>
@@ -7122,7 +7845,222 @@
       </p:grpSpPr>
       <p:sp>
         <p:nvSpPr>
-          <p:cNvPr id="120" name="Google Shape;120;p24"/>
+          <p:cNvPr id="137" name="Google Shape;137;p25"/>
+          <p:cNvSpPr txBox="1"/>
+          <p:nvPr>
+            <p:ph type="title"/>
+          </p:nvPr>
+        </p:nvSpPr>
+        <p:spPr>
+          <a:xfrm>
+            <a:off x="311700" y="304788"/>
+            <a:ext cx="8520600" cy="3681900"/>
+          </a:xfrm>
+          <a:prstGeom prst="rect">
+            <a:avLst/>
+          </a:prstGeom>
+        </p:spPr>
+        <p:txBody>
+          <a:bodyPr anchorCtr="0" anchor="ctr" bIns="91425" lIns="91425" spcFirstLastPara="1" rIns="91425" wrap="square" tIns="91425">
+            <a:noAutofit/>
+          </a:bodyPr>
+          <a:lstStyle/>
+          <a:p>
+            <a:pPr indent="0" lvl="0" marL="0" rtl="0" algn="l">
+              <a:spcBef>
+                <a:spcPts val="0"/>
+              </a:spcBef>
+              <a:spcAft>
+                <a:spcPts val="0"/>
+              </a:spcAft>
+              <a:buNone/>
+            </a:pPr>
+            <a:r>
+              <a:rPr lang="en"/>
+              <a:t>did you agree with my conclusion that </a:t>
+            </a:r>
+            <a:r>
+              <a:rPr lang="en"/>
+              <a:t>Myanmar is taking steps back in its transitional process?</a:t>
+            </a:r>
+            <a:endParaRPr/>
+          </a:p>
+        </p:txBody>
+      </p:sp>
+    </p:spTree>
+  </p:cSld>
+  <p:clrMapOvr>
+    <a:masterClrMapping/>
+  </p:clrMapOvr>
+</p:sld>
+</file>
+
+<file path=ppt/slides/slide14.xml><?xml version="1.0" encoding="utf-8"?>
+<p:sld xmlns:a="http://schemas.openxmlformats.org/drawingml/2006/main" xmlns:r="http://schemas.openxmlformats.org/officeDocument/2006/relationships" xmlns:mc="http://schemas.openxmlformats.org/markup-compatibility/2006" xmlns:mv="urn:schemas-microsoft-com:mac:vml" xmlns:p="http://schemas.openxmlformats.org/presentationml/2006/main" xmlns:c="http://schemas.openxmlformats.org/drawingml/2006/chart" xmlns:dgm="http://schemas.openxmlformats.org/drawingml/2006/diagram" xmlns:o="urn:schemas-microsoft-com:office:office" xmlns:v="urn:schemas-microsoft-com:vml" xmlns:pvml="urn:schemas-microsoft-com:office:powerpoint" xmlns:com="http://schemas.openxmlformats.org/drawingml/2006/compatibility" xmlns:p14="http://schemas.microsoft.com/office/powerpoint/2010/main" xmlns:p15="http://schemas.microsoft.com/office/powerpoint/2012/main">
+  <p:cSld>
+    <p:spTree>
+      <p:nvGrpSpPr>
+        <p:cNvPr id="141" name="Shape 141"/>
+        <p:cNvGrpSpPr/>
+        <p:nvPr/>
+      </p:nvGrpSpPr>
+      <p:grpSpPr>
+        <a:xfrm>
+          <a:off x="0" y="0"/>
+          <a:ext cx="0" cy="0"/>
+          <a:chOff x="0" y="0"/>
+          <a:chExt cx="0" cy="0"/>
+        </a:xfrm>
+      </p:grpSpPr>
+      <p:sp>
+        <p:nvSpPr>
+          <p:cNvPr id="142" name="Google Shape;142;p26"/>
+          <p:cNvSpPr txBox="1"/>
+          <p:nvPr>
+            <p:ph type="title"/>
+          </p:nvPr>
+        </p:nvSpPr>
+        <p:spPr>
+          <a:xfrm>
+            <a:off x="311700" y="940900"/>
+            <a:ext cx="8520600" cy="2051700"/>
+          </a:xfrm>
+          <a:prstGeom prst="rect">
+            <a:avLst/>
+          </a:prstGeom>
+        </p:spPr>
+        <p:txBody>
+          <a:bodyPr anchorCtr="0" anchor="ctr" bIns="91425" lIns="91425" spcFirstLastPara="1" rIns="91425" wrap="square" tIns="91425">
+            <a:noAutofit/>
+          </a:bodyPr>
+          <a:lstStyle/>
+          <a:p>
+            <a:pPr indent="0" lvl="0" marL="0" rtl="0" algn="l">
+              <a:spcBef>
+                <a:spcPts val="0"/>
+              </a:spcBef>
+              <a:spcAft>
+                <a:spcPts val="0"/>
+              </a:spcAft>
+              <a:buNone/>
+            </a:pPr>
+            <a:r>
+              <a:rPr lang="en"/>
+              <a:t>What are your thoughts </a:t>
+            </a:r>
+            <a:r>
+              <a:rPr lang="en"/>
+              <a:t>towards complete</a:t>
+            </a:r>
+            <a:r>
+              <a:rPr lang="en"/>
+              <a:t> </a:t>
+            </a:r>
+            <a:r>
+              <a:rPr lang="en"/>
+              <a:t>immunity for crimes of previous regimes?</a:t>
+            </a:r>
+            <a:endParaRPr/>
+          </a:p>
+        </p:txBody>
+      </p:sp>
+    </p:spTree>
+  </p:cSld>
+  <p:clrMapOvr>
+    <a:masterClrMapping/>
+  </p:clrMapOvr>
+</p:sld>
+</file>
+
+<file path=ppt/slides/slide15.xml><?xml version="1.0" encoding="utf-8"?>
+<p:sld xmlns:a="http://schemas.openxmlformats.org/drawingml/2006/main" xmlns:r="http://schemas.openxmlformats.org/officeDocument/2006/relationships" xmlns:mc="http://schemas.openxmlformats.org/markup-compatibility/2006" xmlns:mv="urn:schemas-microsoft-com:mac:vml" xmlns:p="http://schemas.openxmlformats.org/presentationml/2006/main" xmlns:c="http://schemas.openxmlformats.org/drawingml/2006/chart" xmlns:dgm="http://schemas.openxmlformats.org/drawingml/2006/diagram" xmlns:o="urn:schemas-microsoft-com:office:office" xmlns:v="urn:schemas-microsoft-com:vml" xmlns:pvml="urn:schemas-microsoft-com:office:powerpoint" xmlns:com="http://schemas.openxmlformats.org/drawingml/2006/compatibility" xmlns:p14="http://schemas.microsoft.com/office/powerpoint/2010/main" xmlns:p15="http://schemas.microsoft.com/office/powerpoint/2012/main">
+  <p:cSld>
+    <p:spTree>
+      <p:nvGrpSpPr>
+        <p:cNvPr id="146" name="Shape 146"/>
+        <p:cNvGrpSpPr/>
+        <p:nvPr/>
+      </p:nvGrpSpPr>
+      <p:grpSpPr>
+        <a:xfrm>
+          <a:off x="0" y="0"/>
+          <a:ext cx="0" cy="0"/>
+          <a:chOff x="0" y="0"/>
+          <a:chExt cx="0" cy="0"/>
+        </a:xfrm>
+      </p:grpSpPr>
+      <p:sp>
+        <p:nvSpPr>
+          <p:cNvPr id="147" name="Google Shape;147;p27"/>
+          <p:cNvSpPr txBox="1"/>
+          <p:nvPr>
+            <p:ph type="title"/>
+          </p:nvPr>
+        </p:nvSpPr>
+        <p:spPr>
+          <a:xfrm>
+            <a:off x="311700" y="2150850"/>
+            <a:ext cx="8520600" cy="841800"/>
+          </a:xfrm>
+          <a:prstGeom prst="rect">
+            <a:avLst/>
+          </a:prstGeom>
+        </p:spPr>
+        <p:txBody>
+          <a:bodyPr anchorCtr="0" anchor="ctr" bIns="91425" lIns="91425" spcFirstLastPara="1" rIns="91425" wrap="square" tIns="91425">
+            <a:noAutofit/>
+          </a:bodyPr>
+          <a:lstStyle/>
+          <a:p>
+            <a:pPr indent="0" lvl="0" marL="0" rtl="0" algn="ctr">
+              <a:spcBef>
+                <a:spcPts val="0"/>
+              </a:spcBef>
+              <a:spcAft>
+                <a:spcPts val="0"/>
+              </a:spcAft>
+              <a:buNone/>
+            </a:pPr>
+            <a:r>
+              <a:rPr lang="en"/>
+              <a:t>Many of the countries were once colonies. </a:t>
+            </a:r>
+            <a:r>
+              <a:rPr lang="en"/>
+              <a:t>Many previously colonies are still in turmoil. Do you believe that any of these former empires owe their once colonies reparations?</a:t>
+            </a:r>
+            <a:endParaRPr/>
+          </a:p>
+        </p:txBody>
+      </p:sp>
+    </p:spTree>
+  </p:cSld>
+  <p:clrMapOvr>
+    <a:masterClrMapping/>
+  </p:clrMapOvr>
+</p:sld>
+</file>
+
+<file path=ppt/slides/slide16.xml><?xml version="1.0" encoding="utf-8"?>
+<p:sld xmlns:a="http://schemas.openxmlformats.org/drawingml/2006/main" xmlns:r="http://schemas.openxmlformats.org/officeDocument/2006/relationships" xmlns:mc="http://schemas.openxmlformats.org/markup-compatibility/2006" xmlns:mv="urn:schemas-microsoft-com:mac:vml" xmlns:p="http://schemas.openxmlformats.org/presentationml/2006/main" xmlns:c="http://schemas.openxmlformats.org/drawingml/2006/chart" xmlns:dgm="http://schemas.openxmlformats.org/drawingml/2006/diagram" xmlns:o="urn:schemas-microsoft-com:office:office" xmlns:v="urn:schemas-microsoft-com:vml" xmlns:pvml="urn:schemas-microsoft-com:office:powerpoint" xmlns:com="http://schemas.openxmlformats.org/drawingml/2006/compatibility" xmlns:p14="http://schemas.microsoft.com/office/powerpoint/2010/main" xmlns:p15="http://schemas.microsoft.com/office/powerpoint/2012/main">
+  <p:cSld>
+    <p:spTree>
+      <p:nvGrpSpPr>
+        <p:cNvPr id="151" name="Shape 151"/>
+        <p:cNvGrpSpPr/>
+        <p:nvPr/>
+      </p:nvGrpSpPr>
+      <p:grpSpPr>
+        <a:xfrm>
+          <a:off x="0" y="0"/>
+          <a:ext cx="0" cy="0"/>
+          <a:chOff x="0" y="0"/>
+          <a:chExt cx="0" cy="0"/>
+        </a:xfrm>
+      </p:grpSpPr>
+      <p:sp>
+        <p:nvSpPr>
+          <p:cNvPr id="152" name="Google Shape;152;p28"/>
           <p:cNvSpPr txBox="1"/>
           <p:nvPr>
             <p:ph type="title"/>
@@ -7154,7 +8092,7 @@
             </a:pPr>
             <a:r>
               <a:rPr lang="en"/>
-              <a:t>Transitional Justice Mechanisms Used after the war</a:t>
+              <a:t>Sources </a:t>
             </a:r>
             <a:endParaRPr/>
           </a:p>
@@ -7162,7 +8100,601 @@
       </p:sp>
       <p:sp>
         <p:nvSpPr>
-          <p:cNvPr id="121" name="Google Shape;121;p24"/>
+          <p:cNvPr id="153" name="Google Shape;153;p28"/>
+          <p:cNvSpPr txBox="1"/>
+          <p:nvPr>
+            <p:ph idx="1" type="body"/>
+          </p:nvPr>
+        </p:nvSpPr>
+        <p:spPr>
+          <a:xfrm>
+            <a:off x="1699625" y="0"/>
+            <a:ext cx="8520600" cy="3416400"/>
+          </a:xfrm>
+          <a:prstGeom prst="rect">
+            <a:avLst/>
+          </a:prstGeom>
+        </p:spPr>
+        <p:txBody>
+          <a:bodyPr anchorCtr="0" anchor="t" bIns="91425" lIns="91425" spcFirstLastPara="1" rIns="91425" wrap="square" tIns="91425">
+            <a:noAutofit/>
+          </a:bodyPr>
+          <a:lstStyle/>
+          <a:p>
+            <a:pPr indent="0" lvl="0" marL="0" rtl="0" algn="l">
+              <a:lnSpc>
+                <a:spcPct val="100000"/>
+              </a:lnSpc>
+              <a:spcBef>
+                <a:spcPts val="900"/>
+              </a:spcBef>
+              <a:spcAft>
+                <a:spcPts val="0"/>
+              </a:spcAft>
+              <a:buClr>
+                <a:schemeClr val="dk1"/>
+              </a:buClr>
+              <a:buSzPts val="1100"/>
+              <a:buFont typeface="Arial"/>
+              <a:buNone/>
+            </a:pPr>
+            <a:r>
+              <a:rPr lang="en" sz="900">
+                <a:solidFill>
+                  <a:schemeClr val="dk1"/>
+                </a:solidFill>
+              </a:rPr>
+              <a:t>International Center for Transitional (2014) Navigating Paths to Justice</a:t>
+            </a:r>
+            <a:br>
+              <a:rPr lang="en" sz="900">
+                <a:solidFill>
+                  <a:schemeClr val="dk1"/>
+                </a:solidFill>
+              </a:rPr>
+            </a:br>
+            <a:r>
+              <a:rPr lang="en" sz="900">
+                <a:solidFill>
+                  <a:schemeClr val="dk1"/>
+                </a:solidFill>
+              </a:rPr>
+              <a:t>in Myanmar’s Transition Justice. Retrieved October 15, 2018, from PDF online: </a:t>
+            </a:r>
+            <a:r>
+              <a:rPr lang="en" sz="900">
+                <a:solidFill>
+                  <a:schemeClr val="dk1"/>
+                </a:solidFill>
+                <a:uFill>
+                  <a:noFill/>
+                </a:uFill>
+                <a:hlinkClick r:id="rId3"/>
+              </a:rPr>
+              <a:t>https://www.ictj.org/sites/default/files/ICTJ-Myanmar-Development-Report-2014.pdf</a:t>
+            </a:r>
+            <a:endParaRPr sz="900">
+              <a:solidFill>
+                <a:schemeClr val="dk1"/>
+              </a:solidFill>
+            </a:endParaRPr>
+          </a:p>
+          <a:p>
+            <a:pPr indent="0" lvl="0" marL="0" rtl="0" algn="l">
+              <a:lnSpc>
+                <a:spcPct val="100000"/>
+              </a:lnSpc>
+              <a:spcBef>
+                <a:spcPts val="900"/>
+              </a:spcBef>
+              <a:spcAft>
+                <a:spcPts val="0"/>
+              </a:spcAft>
+              <a:buClr>
+                <a:schemeClr val="dk1"/>
+              </a:buClr>
+              <a:buSzPts val="1100"/>
+              <a:buFont typeface="Arial"/>
+              <a:buNone/>
+            </a:pPr>
+            <a:r>
+              <a:rPr lang="en" sz="900">
+                <a:solidFill>
+                  <a:schemeClr val="dk1"/>
+                </a:solidFill>
+              </a:rPr>
+              <a:t>International Center for Transitional Justice. "Myanmar &amp; Transitional Justice." </a:t>
+            </a:r>
+            <a:br>
+              <a:rPr lang="en" sz="900">
+                <a:solidFill>
+                  <a:schemeClr val="dk1"/>
+                </a:solidFill>
+              </a:rPr>
+            </a:br>
+            <a:r>
+              <a:rPr lang="en" sz="900">
+                <a:solidFill>
+                  <a:schemeClr val="dk1"/>
+                </a:solidFill>
+              </a:rPr>
+              <a:t>     ICTJ Justice Truth Dignity. Last modified 2018. https://www.ictj.org/ </a:t>
+            </a:r>
+            <a:br>
+              <a:rPr lang="en" sz="900">
+                <a:solidFill>
+                  <a:schemeClr val="dk1"/>
+                </a:solidFill>
+              </a:rPr>
+            </a:br>
+            <a:r>
+              <a:rPr lang="en" sz="900">
+                <a:solidFill>
+                  <a:schemeClr val="dk1"/>
+                </a:solidFill>
+              </a:rPr>
+              <a:t>     our-work/regions-and-countries/burmamyanmar.</a:t>
+            </a:r>
+            <a:endParaRPr sz="900">
+              <a:solidFill>
+                <a:schemeClr val="dk1"/>
+              </a:solidFill>
+            </a:endParaRPr>
+          </a:p>
+          <a:p>
+            <a:pPr indent="0" lvl="0" marL="0" rtl="0" algn="l">
+              <a:lnSpc>
+                <a:spcPct val="100000"/>
+              </a:lnSpc>
+              <a:spcBef>
+                <a:spcPts val="900"/>
+              </a:spcBef>
+              <a:spcAft>
+                <a:spcPts val="0"/>
+              </a:spcAft>
+              <a:buClr>
+                <a:schemeClr val="dk1"/>
+              </a:buClr>
+              <a:buSzPts val="1100"/>
+              <a:buFont typeface="Arial"/>
+              <a:buNone/>
+            </a:pPr>
+            <a:r>
+              <a:rPr lang="en" sz="900">
+                <a:solidFill>
+                  <a:schemeClr val="dk1"/>
+                </a:solidFill>
+              </a:rPr>
+              <a:t>International Center for Transitional Justice Prospects for Justice in Myanmar. November 2016. </a:t>
+            </a:r>
+            <a:br>
+              <a:rPr lang="en" sz="900">
+                <a:solidFill>
+                  <a:schemeClr val="dk1"/>
+                </a:solidFill>
+              </a:rPr>
+            </a:br>
+            <a:r>
+              <a:rPr lang="en" sz="900">
+                <a:solidFill>
+                  <a:schemeClr val="dk1"/>
+                </a:solidFill>
+              </a:rPr>
+              <a:t>     https://www.ictj.org/sites/default/files/ICTJ-Briefing-Myanmar-TJ-2016.pdf.</a:t>
+            </a:r>
+            <a:endParaRPr sz="900">
+              <a:solidFill>
+                <a:schemeClr val="dk1"/>
+              </a:solidFill>
+            </a:endParaRPr>
+          </a:p>
+          <a:p>
+            <a:pPr indent="0" lvl="0" marL="0" rtl="0" algn="l">
+              <a:lnSpc>
+                <a:spcPct val="100000"/>
+              </a:lnSpc>
+              <a:spcBef>
+                <a:spcPts val="900"/>
+              </a:spcBef>
+              <a:spcAft>
+                <a:spcPts val="0"/>
+              </a:spcAft>
+              <a:buClr>
+                <a:schemeClr val="dk1"/>
+              </a:buClr>
+              <a:buSzPts val="1100"/>
+              <a:buFont typeface="Arial"/>
+              <a:buNone/>
+            </a:pPr>
+            <a:r>
+              <a:rPr lang="en" sz="900">
+                <a:solidFill>
+                  <a:schemeClr val="dk1"/>
+                </a:solidFill>
+              </a:rPr>
+              <a:t>Thomson, Aileen. International Center for Transitional Justice, Opening Up </a:t>
+            </a:r>
+            <a:br>
+              <a:rPr lang="en" sz="900">
+                <a:solidFill>
+                  <a:schemeClr val="dk1"/>
+                </a:solidFill>
+              </a:rPr>
+            </a:br>
+            <a:r>
+              <a:rPr lang="en" sz="900">
+                <a:solidFill>
+                  <a:schemeClr val="dk1"/>
+                </a:solidFill>
+              </a:rPr>
+              <a:t>     Remedies in Myanmar. December 2015. https://www.ictj.org/sites/default/ </a:t>
+            </a:r>
+            <a:br>
+              <a:rPr lang="en" sz="900">
+                <a:solidFill>
+                  <a:schemeClr val="dk1"/>
+                </a:solidFill>
+              </a:rPr>
+            </a:br>
+            <a:r>
+              <a:rPr lang="en" sz="900">
+                <a:solidFill>
+                  <a:schemeClr val="dk1"/>
+                </a:solidFill>
+              </a:rPr>
+              <a:t>     files/ICTJ-Briefing-Myanmar-TJ-2015.pdf.</a:t>
+            </a:r>
+            <a:endParaRPr sz="900">
+              <a:solidFill>
+                <a:schemeClr val="dk1"/>
+              </a:solidFill>
+            </a:endParaRPr>
+          </a:p>
+          <a:p>
+            <a:pPr indent="0" lvl="0" marL="0" rtl="0" algn="l">
+              <a:lnSpc>
+                <a:spcPct val="100000"/>
+              </a:lnSpc>
+              <a:spcBef>
+                <a:spcPts val="900"/>
+              </a:spcBef>
+              <a:spcAft>
+                <a:spcPts val="0"/>
+              </a:spcAft>
+              <a:buClr>
+                <a:schemeClr val="dk1"/>
+              </a:buClr>
+              <a:buSzPts val="1100"/>
+              <a:buFont typeface="Arial"/>
+              <a:buNone/>
+            </a:pPr>
+            <a:r>
+              <a:rPr lang="en" sz="900">
+                <a:solidFill>
+                  <a:schemeClr val="dk1"/>
+                </a:solidFill>
+              </a:rPr>
+              <a:t>Human Rights Watch. "Burma: Growing Political Prisoner Population." Human </a:t>
+            </a:r>
+            <a:br>
+              <a:rPr lang="en" sz="900">
+                <a:solidFill>
+                  <a:schemeClr val="dk1"/>
+                </a:solidFill>
+              </a:rPr>
+            </a:br>
+            <a:r>
+              <a:rPr lang="en" sz="900">
+                <a:solidFill>
+                  <a:schemeClr val="dk1"/>
+                </a:solidFill>
+              </a:rPr>
+              <a:t>     Rights Watch, January 17, 2016. https://www.hrw.org/news/2016/01/17/ </a:t>
+            </a:r>
+            <a:br>
+              <a:rPr lang="en" sz="900">
+                <a:solidFill>
+                  <a:schemeClr val="dk1"/>
+                </a:solidFill>
+              </a:rPr>
+            </a:br>
+            <a:r>
+              <a:rPr lang="en" sz="900">
+                <a:solidFill>
+                  <a:schemeClr val="dk1"/>
+                </a:solidFill>
+              </a:rPr>
+              <a:t>     Burma-growing-political-prisoner-population.’</a:t>
+            </a:r>
+            <a:endParaRPr sz="900">
+              <a:solidFill>
+                <a:schemeClr val="dk1"/>
+              </a:solidFill>
+            </a:endParaRPr>
+          </a:p>
+          <a:p>
+            <a:pPr indent="0" lvl="0" marL="0" rtl="0" algn="l">
+              <a:spcBef>
+                <a:spcPts val="900"/>
+              </a:spcBef>
+              <a:spcAft>
+                <a:spcPts val="0"/>
+              </a:spcAft>
+              <a:buClr>
+                <a:schemeClr val="dk1"/>
+              </a:buClr>
+              <a:buSzPts val="1100"/>
+              <a:buFont typeface="Arial"/>
+              <a:buNone/>
+            </a:pPr>
+            <a:r>
+              <a:rPr lang="en" sz="900">
+                <a:solidFill>
+                  <a:schemeClr val="dk1"/>
+                </a:solidFill>
+              </a:rPr>
+              <a:t>Godrej, Dinyar. "A Short History of Burma." New Internationalist, April 18,</a:t>
+            </a:r>
+            <a:endParaRPr sz="900">
+              <a:solidFill>
+                <a:schemeClr val="dk1"/>
+              </a:solidFill>
+            </a:endParaRPr>
+          </a:p>
+          <a:p>
+            <a:pPr indent="0" lvl="0" marL="0" rtl="0" algn="l">
+              <a:spcBef>
+                <a:spcPts val="0"/>
+              </a:spcBef>
+              <a:spcAft>
+                <a:spcPts val="0"/>
+              </a:spcAft>
+              <a:buClr>
+                <a:schemeClr val="dk1"/>
+              </a:buClr>
+              <a:buSzPts val="1100"/>
+              <a:buFont typeface="Arial"/>
+              <a:buNone/>
+            </a:pPr>
+            <a:r>
+              <a:rPr lang="en" sz="900">
+                <a:solidFill>
+                  <a:schemeClr val="dk1"/>
+                </a:solidFill>
+              </a:rPr>
+              <a:t> 2008. https://newint.org/features/2008/04/18/history. </a:t>
+            </a:r>
+            <a:endParaRPr sz="900">
+              <a:solidFill>
+                <a:schemeClr val="dk1"/>
+              </a:solidFill>
+            </a:endParaRPr>
+          </a:p>
+          <a:p>
+            <a:pPr indent="0" lvl="0" marL="0" rtl="0" algn="l">
+              <a:spcBef>
+                <a:spcPts val="0"/>
+              </a:spcBef>
+              <a:spcAft>
+                <a:spcPts val="0"/>
+              </a:spcAft>
+              <a:buClr>
+                <a:schemeClr val="dk1"/>
+              </a:buClr>
+              <a:buSzPts val="1100"/>
+              <a:buFont typeface="Arial"/>
+              <a:buNone/>
+            </a:pPr>
+            <a:r>
+              <a:t/>
+            </a:r>
+            <a:endParaRPr sz="900">
+              <a:solidFill>
+                <a:schemeClr val="dk1"/>
+              </a:solidFill>
+            </a:endParaRPr>
+          </a:p>
+          <a:p>
+            <a:pPr indent="0" lvl="0" marL="0" rtl="0" algn="l">
+              <a:spcBef>
+                <a:spcPts val="0"/>
+              </a:spcBef>
+              <a:spcAft>
+                <a:spcPts val="0"/>
+              </a:spcAft>
+              <a:buClr>
+                <a:schemeClr val="dk1"/>
+              </a:buClr>
+              <a:buSzPts val="1100"/>
+              <a:buFont typeface="Arial"/>
+              <a:buNone/>
+            </a:pPr>
+            <a:r>
+              <a:rPr lang="en" sz="900">
+                <a:solidFill>
+                  <a:schemeClr val="dk1"/>
+                </a:solidFill>
+              </a:rPr>
+              <a:t>Pierce, Patrick. "ICTJ Briefing." Impunity or Reconciliation in Burma‘s</a:t>
+            </a:r>
+            <a:endParaRPr sz="900">
+              <a:solidFill>
+                <a:schemeClr val="dk1"/>
+              </a:solidFill>
+            </a:endParaRPr>
+          </a:p>
+          <a:p>
+            <a:pPr indent="0" lvl="0" marL="0" rtl="0" algn="l">
+              <a:spcBef>
+                <a:spcPts val="0"/>
+              </a:spcBef>
+              <a:spcAft>
+                <a:spcPts val="0"/>
+              </a:spcAft>
+              <a:buClr>
+                <a:schemeClr val="dk1"/>
+              </a:buClr>
+              <a:buSzPts val="1100"/>
+              <a:buFont typeface="Arial"/>
+              <a:buNone/>
+            </a:pPr>
+            <a:r>
+              <a:rPr lang="en" sz="900">
+                <a:solidFill>
+                  <a:schemeClr val="dk1"/>
+                </a:solidFill>
+              </a:rPr>
+              <a:t>     Transition, December 2010. https://www.ictj.org/sites/default/files/</a:t>
+            </a:r>
+            <a:endParaRPr sz="900">
+              <a:solidFill>
+                <a:schemeClr val="dk1"/>
+              </a:solidFill>
+            </a:endParaRPr>
+          </a:p>
+          <a:p>
+            <a:pPr indent="0" lvl="0" marL="0" rtl="0" algn="l">
+              <a:spcBef>
+                <a:spcPts val="0"/>
+              </a:spcBef>
+              <a:spcAft>
+                <a:spcPts val="0"/>
+              </a:spcAft>
+              <a:buClr>
+                <a:schemeClr val="dk1"/>
+              </a:buClr>
+              <a:buSzPts val="1100"/>
+              <a:buFont typeface="Arial"/>
+              <a:buNone/>
+            </a:pPr>
+            <a:r>
+              <a:rPr lang="en" sz="900">
+                <a:solidFill>
+                  <a:schemeClr val="dk1"/>
+                </a:solidFill>
+              </a:rPr>
+              <a:t>     ICTJ-Myanmar-Transition-2010-English.pdf. </a:t>
+            </a:r>
+            <a:endParaRPr sz="900">
+              <a:solidFill>
+                <a:schemeClr val="dk1"/>
+              </a:solidFill>
+            </a:endParaRPr>
+          </a:p>
+          <a:p>
+            <a:pPr indent="0" lvl="0" marL="0" rtl="0" algn="l">
+              <a:spcBef>
+                <a:spcPts val="0"/>
+              </a:spcBef>
+              <a:spcAft>
+                <a:spcPts val="0"/>
+              </a:spcAft>
+              <a:buClr>
+                <a:schemeClr val="dk1"/>
+              </a:buClr>
+              <a:buSzPts val="1100"/>
+              <a:buFont typeface="Arial"/>
+              <a:buNone/>
+            </a:pPr>
+            <a:r>
+              <a:t/>
+            </a:r>
+            <a:endParaRPr sz="900">
+              <a:solidFill>
+                <a:schemeClr val="dk1"/>
+              </a:solidFill>
+            </a:endParaRPr>
+          </a:p>
+          <a:p>
+            <a:pPr indent="0" lvl="0" marL="0" rtl="0" algn="l">
+              <a:spcBef>
+                <a:spcPts val="0"/>
+              </a:spcBef>
+              <a:spcAft>
+                <a:spcPts val="0"/>
+              </a:spcAft>
+              <a:buClr>
+                <a:schemeClr val="dk1"/>
+              </a:buClr>
+              <a:buSzPts val="1100"/>
+              <a:buFont typeface="Arial"/>
+              <a:buNone/>
+            </a:pPr>
+            <a:r>
+              <a:t/>
+            </a:r>
+            <a:endParaRPr sz="900"/>
+          </a:p>
+        </p:txBody>
+      </p:sp>
+    </p:spTree>
+  </p:cSld>
+  <p:clrMapOvr>
+    <a:masterClrMapping/>
+  </p:clrMapOvr>
+</p:sld>
+</file>
+
+<file path=ppt/slides/slide17.xml><?xml version="1.0" encoding="utf-8"?>
+<p:sld xmlns:a="http://schemas.openxmlformats.org/drawingml/2006/main" xmlns:r="http://schemas.openxmlformats.org/officeDocument/2006/relationships" xmlns:mc="http://schemas.openxmlformats.org/markup-compatibility/2006" xmlns:mv="urn:schemas-microsoft-com:mac:vml" xmlns:p="http://schemas.openxmlformats.org/presentationml/2006/main" xmlns:c="http://schemas.openxmlformats.org/drawingml/2006/chart" xmlns:dgm="http://schemas.openxmlformats.org/drawingml/2006/diagram" xmlns:o="urn:schemas-microsoft-com:office:office" xmlns:v="urn:schemas-microsoft-com:vml" xmlns:pvml="urn:schemas-microsoft-com:office:powerpoint" xmlns:com="http://schemas.openxmlformats.org/drawingml/2006/compatibility" xmlns:p14="http://schemas.microsoft.com/office/powerpoint/2010/main" xmlns:p15="http://schemas.microsoft.com/office/powerpoint/2012/main">
+  <p:cSld>
+    <p:spTree>
+      <p:nvGrpSpPr>
+        <p:cNvPr id="157" name="Shape 157"/>
+        <p:cNvGrpSpPr/>
+        <p:nvPr/>
+      </p:nvGrpSpPr>
+      <p:grpSpPr>
+        <a:xfrm>
+          <a:off x="0" y="0"/>
+          <a:ext cx="0" cy="0"/>
+          <a:chOff x="0" y="0"/>
+          <a:chExt cx="0" cy="0"/>
+        </a:xfrm>
+      </p:grpSpPr>
+      <p:sp>
+        <p:nvSpPr>
+          <p:cNvPr id="158" name="Google Shape;158;p29"/>
+          <p:cNvSpPr txBox="1"/>
+          <p:nvPr>
+            <p:ph type="title"/>
+          </p:nvPr>
+        </p:nvSpPr>
+        <p:spPr>
+          <a:xfrm>
+            <a:off x="311700" y="445025"/>
+            <a:ext cx="8520600" cy="572700"/>
+          </a:xfrm>
+          <a:prstGeom prst="rect">
+            <a:avLst/>
+          </a:prstGeom>
+        </p:spPr>
+        <p:txBody>
+          <a:bodyPr anchorCtr="0" anchor="t" bIns="91425" lIns="91425" spcFirstLastPara="1" rIns="91425" wrap="square" tIns="91425">
+            <a:noAutofit/>
+          </a:bodyPr>
+          <a:lstStyle/>
+          <a:p>
+            <a:pPr indent="0" lvl="0" marL="0" rtl="0" algn="l">
+              <a:spcBef>
+                <a:spcPts val="0"/>
+              </a:spcBef>
+              <a:spcAft>
+                <a:spcPts val="0"/>
+              </a:spcAft>
+              <a:buNone/>
+            </a:pPr>
+            <a:r>
+              <a:rPr lang="en"/>
+              <a:t>cont..</a:t>
+            </a:r>
+            <a:endParaRPr/>
+          </a:p>
+        </p:txBody>
+      </p:sp>
+      <p:sp>
+        <p:nvSpPr>
+          <p:cNvPr id="159" name="Google Shape;159;p29"/>
           <p:cNvSpPr txBox="1"/>
           <p:nvPr>
             <p:ph idx="1" type="body"/>
@@ -7188,64 +8720,82 @@
                 <a:spcPts val="0"/>
               </a:spcBef>
               <a:spcAft>
-                <a:spcPts val="1600"/>
-              </a:spcAft>
+                <a:spcPts val="0"/>
+              </a:spcAft>
+              <a:buClr>
+                <a:schemeClr val="dk1"/>
+              </a:buClr>
+              <a:buSzPts val="1100"/>
+              <a:buFont typeface="Arial"/>
+              <a:buNone/>
+            </a:pPr>
+            <a:r>
+              <a:rPr lang="en" sz="900">
+                <a:solidFill>
+                  <a:schemeClr val="dk1"/>
+                </a:solidFill>
+              </a:rPr>
+              <a:t>Watson, Ivan. "Myanmar's hidden war." CNN, November 11, 2015.</a:t>
+            </a:r>
+            <a:endParaRPr sz="900">
+              <a:solidFill>
+                <a:schemeClr val="dk1"/>
+              </a:solidFill>
+            </a:endParaRPr>
+          </a:p>
+          <a:p>
+            <a:pPr indent="0" lvl="0" marL="0" rtl="0" algn="l">
+              <a:spcBef>
+                <a:spcPts val="0"/>
+              </a:spcBef>
+              <a:spcAft>
+                <a:spcPts val="0"/>
+              </a:spcAft>
+              <a:buClr>
+                <a:schemeClr val="dk1"/>
+              </a:buClr>
+              <a:buSzPts val="1100"/>
+              <a:buFont typeface="Arial"/>
+              <a:buNone/>
+            </a:pPr>
+            <a:r>
+              <a:rPr lang="en" sz="900">
+                <a:solidFill>
+                  <a:schemeClr val="dk1"/>
+                </a:solidFill>
+              </a:rPr>
+              <a:t>     https://www.cnn.com/2015/11/11/asia/myanmar-shan-rebels-civil-war/index.html. </a:t>
+            </a:r>
+            <a:endParaRPr sz="900">
+              <a:solidFill>
+                <a:schemeClr val="dk1"/>
+              </a:solidFill>
+            </a:endParaRPr>
+          </a:p>
+          <a:p>
+            <a:pPr indent="0" lvl="0" marL="0" rtl="0" algn="l">
+              <a:spcBef>
+                <a:spcPts val="0"/>
+              </a:spcBef>
+              <a:spcAft>
+                <a:spcPts val="0"/>
+              </a:spcAft>
+              <a:buClr>
+                <a:schemeClr val="dk1"/>
+              </a:buClr>
+              <a:buSzPts val="1100"/>
+              <a:buFont typeface="Arial"/>
               <a:buNone/>
             </a:pPr>
             <a:r>
               <a:t/>
             </a:r>
-            <a:endParaRPr/>
-          </a:p>
-        </p:txBody>
-      </p:sp>
-    </p:spTree>
-  </p:cSld>
-  <p:clrMapOvr>
-    <a:masterClrMapping/>
-  </p:clrMapOvr>
-</p:sld>
-</file>
-
-<file path=ppt/slides/slide13.xml><?xml version="1.0" encoding="utf-8"?>
-<p:sld xmlns:a="http://schemas.openxmlformats.org/drawingml/2006/main" xmlns:r="http://schemas.openxmlformats.org/officeDocument/2006/relationships" xmlns:mc="http://schemas.openxmlformats.org/markup-compatibility/2006" xmlns:mv="urn:schemas-microsoft-com:mac:vml" xmlns:p="http://schemas.openxmlformats.org/presentationml/2006/main" xmlns:c="http://schemas.openxmlformats.org/drawingml/2006/chart" xmlns:dgm="http://schemas.openxmlformats.org/drawingml/2006/diagram" xmlns:o="urn:schemas-microsoft-com:office:office" xmlns:v="urn:schemas-microsoft-com:vml" xmlns:pvml="urn:schemas-microsoft-com:office:powerpoint" xmlns:com="http://schemas.openxmlformats.org/drawingml/2006/compatibility" xmlns:p14="http://schemas.microsoft.com/office/powerpoint/2010/main" xmlns:p15="http://schemas.microsoft.com/office/powerpoint/2012/main">
-  <p:cSld>
-    <p:spTree>
-      <p:nvGrpSpPr>
-        <p:cNvPr id="125" name="Shape 125"/>
-        <p:cNvGrpSpPr/>
-        <p:nvPr/>
-      </p:nvGrpSpPr>
-      <p:grpSpPr>
-        <a:xfrm>
-          <a:off x="0" y="0"/>
-          <a:ext cx="0" cy="0"/>
-          <a:chOff x="0" y="0"/>
-          <a:chExt cx="0" cy="0"/>
-        </a:xfrm>
-      </p:grpSpPr>
-      <p:sp>
-        <p:nvSpPr>
-          <p:cNvPr id="126" name="Google Shape;126;p25"/>
-          <p:cNvSpPr txBox="1"/>
-          <p:nvPr>
-            <p:ph type="title"/>
-          </p:nvPr>
-        </p:nvSpPr>
-        <p:spPr>
-          <a:xfrm>
-            <a:off x="311700" y="445025"/>
-            <a:ext cx="8520600" cy="572700"/>
-          </a:xfrm>
-          <a:prstGeom prst="rect">
-            <a:avLst/>
-          </a:prstGeom>
-        </p:spPr>
-        <p:txBody>
-          <a:bodyPr anchorCtr="0" anchor="t" bIns="91425" lIns="91425" spcFirstLastPara="1" rIns="91425" wrap="square" tIns="91425">
-            <a:noAutofit/>
-          </a:bodyPr>
-          <a:lstStyle/>
+            <a:endParaRPr sz="900">
+              <a:solidFill>
+                <a:schemeClr val="dk1"/>
+              </a:solidFill>
+            </a:endParaRPr>
+          </a:p>
           <a:p>
             <a:pPr indent="0" lvl="0" marL="0" rtl="0" algn="l">
               <a:spcBef>
@@ -7254,102 +8804,80 @@
               <a:spcAft>
                 <a:spcPts val="0"/>
               </a:spcAft>
-              <a:buNone/>
-            </a:pPr>
-            <a:r>
-              <a:rPr lang="en"/>
-              <a:t>Myanmar Today</a:t>
-            </a:r>
-            <a:endParaRPr/>
-          </a:p>
-        </p:txBody>
-      </p:sp>
-      <p:sp>
-        <p:nvSpPr>
-          <p:cNvPr id="127" name="Google Shape;127;p25"/>
-          <p:cNvSpPr txBox="1"/>
-          <p:nvPr>
-            <p:ph idx="1" type="body"/>
-          </p:nvPr>
-        </p:nvSpPr>
-        <p:spPr>
-          <a:xfrm>
-            <a:off x="311700" y="1152475"/>
-            <a:ext cx="8520600" cy="3416400"/>
-          </a:xfrm>
-          <a:prstGeom prst="rect">
-            <a:avLst/>
-          </a:prstGeom>
-        </p:spPr>
-        <p:txBody>
-          <a:bodyPr anchorCtr="0" anchor="t" bIns="91425" lIns="91425" spcFirstLastPara="1" rIns="91425" wrap="square" tIns="91425">
-            <a:noAutofit/>
-          </a:bodyPr>
-          <a:lstStyle/>
+              <a:buClr>
+                <a:schemeClr val="dk1"/>
+              </a:buClr>
+              <a:buSzPts val="1100"/>
+              <a:buFont typeface="Arial"/>
+              <a:buNone/>
+            </a:pPr>
+            <a:r>
+              <a:rPr lang="en" sz="900">
+                <a:solidFill>
+                  <a:schemeClr val="dk1"/>
+                </a:solidFill>
+              </a:rPr>
+              <a:t>Pike, John. "Burma Insurgency." Global Security. Last modified 2018.</a:t>
+            </a:r>
+            <a:endParaRPr sz="900">
+              <a:solidFill>
+                <a:schemeClr val="dk1"/>
+              </a:solidFill>
+            </a:endParaRPr>
+          </a:p>
           <a:p>
             <a:pPr indent="0" lvl="0" marL="0" rtl="0" algn="l">
               <a:spcBef>
                 <a:spcPts val="0"/>
               </a:spcBef>
               <a:spcAft>
-                <a:spcPts val="1600"/>
-              </a:spcAft>
+                <a:spcPts val="0"/>
+              </a:spcAft>
+              <a:buClr>
+                <a:schemeClr val="dk1"/>
+              </a:buClr>
+              <a:buSzPts val="1100"/>
+              <a:buFont typeface="Arial"/>
+              <a:buNone/>
+            </a:pPr>
+            <a:r>
+              <a:rPr lang="en" sz="900">
+                <a:solidFill>
+                  <a:schemeClr val="dk1"/>
+                </a:solidFill>
+              </a:rPr>
+              <a:t>     https://www.globalsecurity.org/military/world/war/burma.htm. </a:t>
+            </a:r>
+            <a:endParaRPr sz="900">
+              <a:solidFill>
+                <a:schemeClr val="dk1"/>
+              </a:solidFill>
+            </a:endParaRPr>
+          </a:p>
+          <a:p>
+            <a:pPr indent="0" lvl="0" marL="0" rtl="0" algn="l">
+              <a:spcBef>
+                <a:spcPts val="0"/>
+              </a:spcBef>
+              <a:spcAft>
+                <a:spcPts val="0"/>
+              </a:spcAft>
+              <a:buClr>
+                <a:schemeClr val="dk1"/>
+              </a:buClr>
+              <a:buSzPts val="1100"/>
+              <a:buFont typeface="Arial"/>
               <a:buNone/>
             </a:pPr>
             <a:r>
               <a:t/>
             </a:r>
-            <a:endParaRPr/>
-          </a:p>
-        </p:txBody>
-      </p:sp>
-    </p:spTree>
-  </p:cSld>
-  <p:clrMapOvr>
-    <a:masterClrMapping/>
-  </p:clrMapOvr>
-</p:sld>
-</file>
-
-<file path=ppt/slides/slide14.xml><?xml version="1.0" encoding="utf-8"?>
-<p:sld xmlns:a="http://schemas.openxmlformats.org/drawingml/2006/main" xmlns:r="http://schemas.openxmlformats.org/officeDocument/2006/relationships" xmlns:mc="http://schemas.openxmlformats.org/markup-compatibility/2006" xmlns:mv="urn:schemas-microsoft-com:mac:vml" xmlns:p="http://schemas.openxmlformats.org/presentationml/2006/main" xmlns:c="http://schemas.openxmlformats.org/drawingml/2006/chart" xmlns:dgm="http://schemas.openxmlformats.org/drawingml/2006/diagram" xmlns:o="urn:schemas-microsoft-com:office:office" xmlns:v="urn:schemas-microsoft-com:vml" xmlns:pvml="urn:schemas-microsoft-com:office:powerpoint" xmlns:com="http://schemas.openxmlformats.org/drawingml/2006/compatibility" xmlns:p14="http://schemas.microsoft.com/office/powerpoint/2010/main" xmlns:p15="http://schemas.microsoft.com/office/powerpoint/2012/main">
-  <p:cSld>
-    <p:spTree>
-      <p:nvGrpSpPr>
-        <p:cNvPr id="131" name="Shape 131"/>
-        <p:cNvGrpSpPr/>
-        <p:nvPr/>
-      </p:nvGrpSpPr>
-      <p:grpSpPr>
-        <a:xfrm>
-          <a:off x="0" y="0"/>
-          <a:ext cx="0" cy="0"/>
-          <a:chOff x="0" y="0"/>
-          <a:chExt cx="0" cy="0"/>
-        </a:xfrm>
-      </p:grpSpPr>
-      <p:sp>
-        <p:nvSpPr>
-          <p:cNvPr id="132" name="Google Shape;132;p26"/>
-          <p:cNvSpPr txBox="1"/>
-          <p:nvPr>
-            <p:ph type="title"/>
-          </p:nvPr>
-        </p:nvSpPr>
-        <p:spPr>
-          <a:xfrm>
-            <a:off x="311700" y="445025"/>
-            <a:ext cx="8520600" cy="572700"/>
-          </a:xfrm>
-          <a:prstGeom prst="rect">
-            <a:avLst/>
-          </a:prstGeom>
-        </p:spPr>
-        <p:txBody>
-          <a:bodyPr anchorCtr="0" anchor="t" bIns="91425" lIns="91425" spcFirstLastPara="1" rIns="91425" wrap="square" tIns="91425">
-            <a:noAutofit/>
-          </a:bodyPr>
-          <a:lstStyle/>
+            <a:endParaRPr sz="900">
+              <a:solidFill>
+                <a:schemeClr val="dk1"/>
+              </a:solidFill>
+            </a:endParaRPr>
+          </a:p>
           <a:p>
             <a:pPr indent="0" lvl="0" marL="0" rtl="0" algn="l">
               <a:spcBef>
@@ -7358,102 +8886,126 @@
               <a:spcAft>
                 <a:spcPts val="0"/>
               </a:spcAft>
-              <a:buNone/>
-            </a:pPr>
-            <a:r>
-              <a:rPr lang="en"/>
-              <a:t>Conclusion</a:t>
-            </a:r>
-            <a:endParaRPr/>
-          </a:p>
-        </p:txBody>
-      </p:sp>
-      <p:sp>
-        <p:nvSpPr>
-          <p:cNvPr id="133" name="Google Shape;133;p26"/>
-          <p:cNvSpPr txBox="1"/>
-          <p:nvPr>
-            <p:ph idx="1" type="body"/>
-          </p:nvPr>
-        </p:nvSpPr>
-        <p:spPr>
-          <a:xfrm>
-            <a:off x="311700" y="1152475"/>
-            <a:ext cx="8520600" cy="3416400"/>
-          </a:xfrm>
-          <a:prstGeom prst="rect">
-            <a:avLst/>
-          </a:prstGeom>
-        </p:spPr>
-        <p:txBody>
-          <a:bodyPr anchorCtr="0" anchor="t" bIns="91425" lIns="91425" spcFirstLastPara="1" rIns="91425" wrap="square" tIns="91425">
-            <a:noAutofit/>
-          </a:bodyPr>
-          <a:lstStyle/>
+              <a:buClr>
+                <a:schemeClr val="dk1"/>
+              </a:buClr>
+              <a:buSzPts val="1100"/>
+              <a:buFont typeface="Arial"/>
+              <a:buNone/>
+            </a:pPr>
+            <a:r>
+              <a:rPr lang="en" sz="900">
+                <a:solidFill>
+                  <a:schemeClr val="dk1"/>
+                </a:solidFill>
+              </a:rPr>
+              <a:t>De Coning, Cedric, and Charles Call, eds. Rethinking Peace and Conflict Studies.</a:t>
+            </a:r>
+            <a:endParaRPr sz="900">
+              <a:solidFill>
+                <a:schemeClr val="dk1"/>
+              </a:solidFill>
+            </a:endParaRPr>
+          </a:p>
           <a:p>
             <a:pPr indent="0" lvl="0" marL="0" rtl="0" algn="l">
               <a:spcBef>
                 <a:spcPts val="0"/>
               </a:spcBef>
               <a:spcAft>
-                <a:spcPts val="1600"/>
-              </a:spcAft>
+                <a:spcPts val="0"/>
+              </a:spcAft>
+              <a:buClr>
+                <a:schemeClr val="dk1"/>
+              </a:buClr>
+              <a:buSzPts val="1100"/>
+              <a:buFont typeface="Arial"/>
+              <a:buNone/>
+            </a:pPr>
+            <a:r>
+              <a:rPr lang="en" sz="900">
+                <a:solidFill>
+                  <a:schemeClr val="dk1"/>
+                </a:solidFill>
+              </a:rPr>
+              <a:t>     Cham, Switzerland: Dove illustration, Dove illustration.</a:t>
+            </a:r>
+            <a:endParaRPr sz="900">
+              <a:solidFill>
+                <a:schemeClr val="dk1"/>
+              </a:solidFill>
+            </a:endParaRPr>
+          </a:p>
+          <a:p>
+            <a:pPr indent="0" lvl="0" marL="0" rtl="0" algn="l">
+              <a:spcBef>
+                <a:spcPts val="0"/>
+              </a:spcBef>
+              <a:spcAft>
+                <a:spcPts val="0"/>
+              </a:spcAft>
+              <a:buClr>
+                <a:schemeClr val="dk1"/>
+              </a:buClr>
+              <a:buSzPts val="1100"/>
+              <a:buFont typeface="Arial"/>
+              <a:buNone/>
+            </a:pPr>
+            <a:r>
+              <a:rPr lang="en" sz="900">
+                <a:solidFill>
+                  <a:schemeClr val="dk1"/>
+                </a:solidFill>
+              </a:rPr>
+              <a:t>     </a:t>
+            </a:r>
+            <a:r>
+              <a:rPr lang="en" sz="900" u="sng">
+                <a:solidFill>
+                  <a:srgbClr val="1155CC"/>
+                </a:solidFill>
+                <a:hlinkClick r:id="rId3"/>
+              </a:rPr>
+              <a:t>https://link.springer.com/content/pdf/10.1007%2F978-3-319-60621-7.pdf</a:t>
+            </a:r>
+            <a:r>
+              <a:rPr lang="en" sz="900">
+                <a:solidFill>
+                  <a:schemeClr val="dk1"/>
+                </a:solidFill>
+              </a:rPr>
+              <a:t>.</a:t>
+            </a:r>
+            <a:endParaRPr sz="900">
+              <a:solidFill>
+                <a:schemeClr val="dk1"/>
+              </a:solidFill>
+            </a:endParaRPr>
+          </a:p>
+          <a:p>
+            <a:pPr indent="0" lvl="0" marL="0" rtl="0" algn="l">
+              <a:spcBef>
+                <a:spcPts val="0"/>
+              </a:spcBef>
+              <a:spcAft>
+                <a:spcPts val="0"/>
+              </a:spcAft>
+              <a:buClr>
+                <a:schemeClr val="dk1"/>
+              </a:buClr>
+              <a:buSzPts val="1100"/>
+              <a:buFont typeface="Arial"/>
               <a:buNone/>
             </a:pPr>
             <a:r>
               <a:t/>
             </a:r>
-            <a:endParaRPr/>
-          </a:p>
-        </p:txBody>
-      </p:sp>
-    </p:spTree>
-  </p:cSld>
-  <p:clrMapOvr>
-    <a:masterClrMapping/>
-  </p:clrMapOvr>
-</p:sld>
-</file>
-
-<file path=ppt/slides/slide15.xml><?xml version="1.0" encoding="utf-8"?>
-<p:sld xmlns:a="http://schemas.openxmlformats.org/drawingml/2006/main" xmlns:r="http://schemas.openxmlformats.org/officeDocument/2006/relationships" xmlns:mc="http://schemas.openxmlformats.org/markup-compatibility/2006" xmlns:mv="urn:schemas-microsoft-com:mac:vml" xmlns:p="http://schemas.openxmlformats.org/presentationml/2006/main" xmlns:c="http://schemas.openxmlformats.org/drawingml/2006/chart" xmlns:dgm="http://schemas.openxmlformats.org/drawingml/2006/diagram" xmlns:o="urn:schemas-microsoft-com:office:office" xmlns:v="urn:schemas-microsoft-com:vml" xmlns:pvml="urn:schemas-microsoft-com:office:powerpoint" xmlns:com="http://schemas.openxmlformats.org/drawingml/2006/compatibility" xmlns:p14="http://schemas.microsoft.com/office/powerpoint/2010/main" xmlns:p15="http://schemas.microsoft.com/office/powerpoint/2012/main">
-  <p:cSld>
-    <p:spTree>
-      <p:nvGrpSpPr>
-        <p:cNvPr id="137" name="Shape 137"/>
-        <p:cNvGrpSpPr/>
-        <p:nvPr/>
-      </p:nvGrpSpPr>
-      <p:grpSpPr>
-        <a:xfrm>
-          <a:off x="0" y="0"/>
-          <a:ext cx="0" cy="0"/>
-          <a:chOff x="0" y="0"/>
-          <a:chExt cx="0" cy="0"/>
-        </a:xfrm>
-      </p:grpSpPr>
-      <p:sp>
-        <p:nvSpPr>
-          <p:cNvPr id="138" name="Google Shape;138;p27"/>
-          <p:cNvSpPr txBox="1"/>
-          <p:nvPr>
-            <p:ph type="title"/>
-          </p:nvPr>
-        </p:nvSpPr>
-        <p:spPr>
-          <a:xfrm>
-            <a:off x="311700" y="445025"/>
-            <a:ext cx="8520600" cy="572700"/>
-          </a:xfrm>
-          <a:prstGeom prst="rect">
-            <a:avLst/>
-          </a:prstGeom>
-        </p:spPr>
-        <p:txBody>
-          <a:bodyPr anchorCtr="0" anchor="t" bIns="91425" lIns="91425" spcFirstLastPara="1" rIns="91425" wrap="square" tIns="91425">
-            <a:noAutofit/>
-          </a:bodyPr>
-          <a:lstStyle/>
+            <a:endParaRPr sz="900">
+              <a:solidFill>
+                <a:schemeClr val="dk1"/>
+              </a:solidFill>
+            </a:endParaRPr>
+          </a:p>
           <a:p>
             <a:pPr indent="0" lvl="0" marL="0" rtl="0" algn="l">
               <a:spcBef>
@@ -7462,38 +9014,224 @@
               <a:spcAft>
                 <a:spcPts val="0"/>
               </a:spcAft>
-              <a:buNone/>
-            </a:pPr>
-            <a:r>
-              <a:rPr lang="en"/>
-              <a:t>Sources </a:t>
-            </a:r>
-            <a:endParaRPr/>
-          </a:p>
-        </p:txBody>
-      </p:sp>
-      <p:sp>
-        <p:nvSpPr>
-          <p:cNvPr id="139" name="Google Shape;139;p27"/>
-          <p:cNvSpPr txBox="1"/>
-          <p:nvPr>
-            <p:ph idx="1" type="body"/>
-          </p:nvPr>
-        </p:nvSpPr>
-        <p:spPr>
-          <a:xfrm>
-            <a:off x="311700" y="1152475"/>
-            <a:ext cx="8520600" cy="3416400"/>
-          </a:xfrm>
-          <a:prstGeom prst="rect">
-            <a:avLst/>
-          </a:prstGeom>
-        </p:spPr>
-        <p:txBody>
-          <a:bodyPr anchorCtr="0" anchor="t" bIns="91425" lIns="91425" spcFirstLastPara="1" rIns="91425" wrap="square" tIns="91425">
-            <a:noAutofit/>
-          </a:bodyPr>
-          <a:lstStyle/>
+              <a:buClr>
+                <a:schemeClr val="dk1"/>
+              </a:buClr>
+              <a:buSzPts val="1100"/>
+              <a:buFont typeface="Arial"/>
+              <a:buNone/>
+            </a:pPr>
+            <a:r>
+              <a:rPr lang="en" sz="900">
+                <a:solidFill>
+                  <a:srgbClr val="333333"/>
+                </a:solidFill>
+              </a:rPr>
+              <a:t>Shaw, Steve. "Burma‘s Quiet Genocide." </a:t>
+            </a:r>
+            <a:r>
+              <a:rPr i="1" lang="en" sz="900">
+                <a:solidFill>
+                  <a:srgbClr val="333333"/>
+                </a:solidFill>
+              </a:rPr>
+              <a:t>New Internationalist</a:t>
+            </a:r>
+            <a:r>
+              <a:rPr lang="en" sz="900">
+                <a:solidFill>
+                  <a:srgbClr val="333333"/>
+                </a:solidFill>
+              </a:rPr>
+              <a:t>, February 20,</a:t>
+            </a:r>
+            <a:endParaRPr sz="900">
+              <a:solidFill>
+                <a:srgbClr val="333333"/>
+              </a:solidFill>
+            </a:endParaRPr>
+          </a:p>
+          <a:p>
+            <a:pPr indent="0" lvl="0" marL="0" rtl="0" algn="l">
+              <a:spcBef>
+                <a:spcPts val="0"/>
+              </a:spcBef>
+              <a:spcAft>
+                <a:spcPts val="0"/>
+              </a:spcAft>
+              <a:buClr>
+                <a:schemeClr val="dk1"/>
+              </a:buClr>
+              <a:buSzPts val="1100"/>
+              <a:buFont typeface="Arial"/>
+              <a:buNone/>
+            </a:pPr>
+            <a:r>
+              <a:rPr lang="en" sz="900">
+                <a:solidFill>
+                  <a:srgbClr val="333333"/>
+                </a:solidFill>
+              </a:rPr>
+              <a:t>     2017. https://newint.org/features/web-exclusive/2017/02/20/</a:t>
+            </a:r>
+            <a:endParaRPr sz="900">
+              <a:solidFill>
+                <a:srgbClr val="333333"/>
+              </a:solidFill>
+            </a:endParaRPr>
+          </a:p>
+          <a:p>
+            <a:pPr indent="0" lvl="0" marL="0" rtl="0" algn="l">
+              <a:spcBef>
+                <a:spcPts val="0"/>
+              </a:spcBef>
+              <a:spcAft>
+                <a:spcPts val="0"/>
+              </a:spcAft>
+              <a:buClr>
+                <a:schemeClr val="dk1"/>
+              </a:buClr>
+              <a:buSzPts val="1100"/>
+              <a:buFont typeface="Arial"/>
+              <a:buNone/>
+            </a:pPr>
+            <a:r>
+              <a:rPr lang="en" sz="900">
+                <a:solidFill>
+                  <a:srgbClr val="333333"/>
+                </a:solidFill>
+              </a:rPr>
+              <a:t>     burmas-quiet-genocide. </a:t>
+            </a:r>
+            <a:endParaRPr sz="900">
+              <a:solidFill>
+                <a:srgbClr val="333333"/>
+              </a:solidFill>
+            </a:endParaRPr>
+          </a:p>
+          <a:p>
+            <a:pPr indent="0" lvl="0" marL="0" rtl="0" algn="l">
+              <a:spcBef>
+                <a:spcPts val="0"/>
+              </a:spcBef>
+              <a:spcAft>
+                <a:spcPts val="0"/>
+              </a:spcAft>
+              <a:buClr>
+                <a:schemeClr val="dk1"/>
+              </a:buClr>
+              <a:buSzPts val="1100"/>
+              <a:buFont typeface="Arial"/>
+              <a:buNone/>
+            </a:pPr>
+            <a:r>
+              <a:t/>
+            </a:r>
+            <a:endParaRPr sz="900">
+              <a:solidFill>
+                <a:srgbClr val="333333"/>
+              </a:solidFill>
+            </a:endParaRPr>
+          </a:p>
+          <a:p>
+            <a:pPr indent="0" lvl="0" marL="0" rtl="0" algn="l">
+              <a:spcBef>
+                <a:spcPts val="0"/>
+              </a:spcBef>
+              <a:spcAft>
+                <a:spcPts val="0"/>
+              </a:spcAft>
+              <a:buClr>
+                <a:schemeClr val="dk1"/>
+              </a:buClr>
+              <a:buSzPts val="1100"/>
+              <a:buFont typeface="Arial"/>
+              <a:buNone/>
+            </a:pPr>
+            <a:r>
+              <a:rPr lang="en" sz="900">
+                <a:solidFill>
+                  <a:srgbClr val="333333"/>
+                </a:solidFill>
+              </a:rPr>
+              <a:t>Barron, Laignee. "More Than 43,000 Rohingya Parents May Be Missing. Experts Fear</a:t>
+            </a:r>
+            <a:endParaRPr sz="900">
+              <a:solidFill>
+                <a:srgbClr val="333333"/>
+              </a:solidFill>
+            </a:endParaRPr>
+          </a:p>
+          <a:p>
+            <a:pPr indent="0" lvl="0" marL="0" rtl="0" algn="l">
+              <a:spcBef>
+                <a:spcPts val="0"/>
+              </a:spcBef>
+              <a:spcAft>
+                <a:spcPts val="0"/>
+              </a:spcAft>
+              <a:buClr>
+                <a:schemeClr val="dk1"/>
+              </a:buClr>
+              <a:buSzPts val="1100"/>
+              <a:buFont typeface="Arial"/>
+              <a:buNone/>
+            </a:pPr>
+            <a:r>
+              <a:rPr lang="en" sz="900">
+                <a:solidFill>
+                  <a:srgbClr val="333333"/>
+                </a:solidFill>
+              </a:rPr>
+              <a:t>     They Are Dead." </a:t>
+            </a:r>
+            <a:r>
+              <a:rPr i="1" lang="en" sz="900">
+                <a:solidFill>
+                  <a:srgbClr val="333333"/>
+                </a:solidFill>
+              </a:rPr>
+              <a:t>Times</a:t>
+            </a:r>
+            <a:r>
+              <a:rPr lang="en" sz="900">
+                <a:solidFill>
+                  <a:srgbClr val="333333"/>
+                </a:solidFill>
+              </a:rPr>
+              <a:t>, April 24, 2018. http://time.com/5187292/</a:t>
+            </a:r>
+            <a:endParaRPr sz="900">
+              <a:solidFill>
+                <a:srgbClr val="333333"/>
+              </a:solidFill>
+            </a:endParaRPr>
+          </a:p>
+          <a:p>
+            <a:pPr indent="0" lvl="0" marL="0" rtl="0" algn="l">
+              <a:spcBef>
+                <a:spcPts val="0"/>
+              </a:spcBef>
+              <a:spcAft>
+                <a:spcPts val="0"/>
+              </a:spcAft>
+              <a:buClr>
+                <a:schemeClr val="dk1"/>
+              </a:buClr>
+              <a:buSzPts val="1100"/>
+              <a:buFont typeface="Arial"/>
+              <a:buNone/>
+            </a:pPr>
+            <a:r>
+              <a:rPr lang="en" sz="900">
+                <a:solidFill>
+                  <a:srgbClr val="333333"/>
+                </a:solidFill>
+              </a:rPr>
+              <a:t>     rohingya-crisis-missing-parents-refugees-bangladesh/. </a:t>
+            </a:r>
+            <a:endParaRPr sz="900"/>
+          </a:p>
           <a:p>
             <a:pPr indent="0" lvl="0" marL="0" rtl="0" algn="l">
               <a:spcBef>
@@ -7560,19 +9298,27 @@
           <a:lstStyle/>
           <a:p>
             <a:pPr indent="0" lvl="0" marL="0" rtl="0" algn="l">
-              <a:spcBef>
-                <a:spcPts val="0"/>
-              </a:spcBef>
-              <a:spcAft>
-                <a:spcPts val="0"/>
-              </a:spcAft>
-              <a:buNone/>
-            </a:pPr>
-            <a:r>
-              <a:rPr lang="en"/>
-              <a:t>Requirement page</a:t>
-            </a:r>
-            <a:endParaRPr/>
+              <a:lnSpc>
+                <a:spcPct val="200000"/>
+              </a:lnSpc>
+              <a:spcBef>
+                <a:spcPts val="900"/>
+              </a:spcBef>
+              <a:spcAft>
+                <a:spcPts val="900"/>
+              </a:spcAft>
+              <a:buClr>
+                <a:schemeClr val="dk1"/>
+              </a:buClr>
+              <a:buSzPts val="1100"/>
+              <a:buFont typeface="Arial"/>
+              <a:buNone/>
+            </a:pPr>
+            <a:r>
+              <a:rPr b="1" lang="en" sz="2400"/>
+              <a:t>Introduction</a:t>
+            </a:r>
+            <a:endParaRPr sz="2400"/>
           </a:p>
         </p:txBody>
       </p:sp>
@@ -7599,54 +9345,137 @@
           </a:bodyPr>
           <a:lstStyle/>
           <a:p>
-            <a:pPr indent="0" lvl="0" marL="0" rtl="0" algn="l">
-              <a:spcBef>
-                <a:spcPts val="0"/>
-              </a:spcBef>
-              <a:spcAft>
-                <a:spcPts val="0"/>
-              </a:spcAft>
-              <a:buNone/>
+            <a:pPr indent="-342900" lvl="0" marL="457200" rtl="0" algn="l">
+              <a:lnSpc>
+                <a:spcPct val="200000"/>
+              </a:lnSpc>
+              <a:spcBef>
+                <a:spcPts val="0"/>
+              </a:spcBef>
+              <a:spcAft>
+                <a:spcPts val="0"/>
+              </a:spcAft>
+              <a:buSzPts val="1800"/>
+              <a:buChar char="●"/>
             </a:pPr>
             <a:r>
               <a:rPr lang="en"/>
-              <a:t>2 infographics</a:t>
+              <a:t>Constant war for the past 50 years</a:t>
             </a:r>
             <a:endParaRPr/>
           </a:p>
           <a:p>
-            <a:pPr indent="0" lvl="0" marL="0" rtl="0" algn="l">
-              <a:spcBef>
-                <a:spcPts val="1600"/>
-              </a:spcBef>
-              <a:spcAft>
-                <a:spcPts val="0"/>
-              </a:spcAft>
-              <a:buNone/>
+            <a:pPr indent="-342900" lvl="0" marL="457200" rtl="0" algn="l">
+              <a:lnSpc>
+                <a:spcPct val="200000"/>
+              </a:lnSpc>
+              <a:spcBef>
+                <a:spcPts val="0"/>
+              </a:spcBef>
+              <a:spcAft>
+                <a:spcPts val="0"/>
+              </a:spcAft>
+              <a:buSzPts val="1800"/>
+              <a:buChar char="●"/>
             </a:pPr>
             <a:r>
               <a:rPr lang="en"/>
-              <a:t>1 video</a:t>
+              <a:t>Insurgent groups</a:t>
             </a:r>
             <a:endParaRPr/>
           </a:p>
           <a:p>
-            <a:pPr indent="0" lvl="0" marL="0" rtl="0" algn="l">
-              <a:spcBef>
-                <a:spcPts val="1600"/>
-              </a:spcBef>
-              <a:spcAft>
-                <a:spcPts val="1600"/>
-              </a:spcAft>
-              <a:buNone/>
-            </a:pPr>
-            <a:r>
-              <a:t/>
+            <a:pPr indent="-342900" lvl="0" marL="457200" rtl="0" algn="l">
+              <a:lnSpc>
+                <a:spcPct val="200000"/>
+              </a:lnSpc>
+              <a:spcBef>
+                <a:spcPts val="0"/>
+              </a:spcBef>
+              <a:spcAft>
+                <a:spcPts val="0"/>
+              </a:spcAft>
+              <a:buSzPts val="1800"/>
+              <a:buChar char="●"/>
+            </a:pPr>
+            <a:r>
+              <a:rPr lang="en"/>
+              <a:t>Recent elections</a:t>
             </a:r>
             <a:endParaRPr/>
           </a:p>
         </p:txBody>
       </p:sp>
+      <p:sp>
+        <p:nvSpPr>
+          <p:cNvPr id="62" name="Google Shape;62;p14"/>
+          <p:cNvSpPr txBox="1"/>
+          <p:nvPr/>
+        </p:nvSpPr>
+        <p:spPr>
+          <a:xfrm>
+            <a:off x="6088200" y="3310025"/>
+            <a:ext cx="5843400" cy="3095700"/>
+          </a:xfrm>
+          <a:prstGeom prst="rect">
+            <a:avLst/>
+          </a:prstGeom>
+          <a:noFill/>
+          <a:ln>
+            <a:noFill/>
+          </a:ln>
+        </p:spPr>
+        <p:txBody>
+          <a:bodyPr anchorCtr="0" anchor="ctr" bIns="91425" lIns="91425" spcFirstLastPara="1" rIns="91425" wrap="square" tIns="91425">
+            <a:noAutofit/>
+          </a:bodyPr>
+          <a:lstStyle/>
+          <a:p>
+            <a:pPr indent="0" lvl="0" marL="0" rtl="0" algn="l">
+              <a:spcBef>
+                <a:spcPts val="0"/>
+              </a:spcBef>
+              <a:spcAft>
+                <a:spcPts val="0"/>
+              </a:spcAft>
+              <a:buNone/>
+            </a:pPr>
+            <a:r>
+              <a:rPr lang="en" sz="900"/>
+              <a:t>http://childsdream.org/myanmar/</a:t>
+            </a:r>
+            <a:endParaRPr sz="900"/>
+          </a:p>
+        </p:txBody>
+      </p:sp>
+      <p:pic>
+        <p:nvPicPr>
+          <p:cNvPr id="63" name="Google Shape;63;p14"/>
+          <p:cNvPicPr preferRelativeResize="0"/>
+          <p:nvPr/>
+        </p:nvPicPr>
+        <p:blipFill>
+          <a:blip r:embed="rId3">
+            <a:alphaModFix/>
+          </a:blip>
+          <a:stretch>
+            <a:fillRect/>
+          </a:stretch>
+        </p:blipFill>
+        <p:spPr>
+          <a:xfrm>
+            <a:off x="5322863" y="99413"/>
+            <a:ext cx="3571875" cy="4619625"/>
+          </a:xfrm>
+          <a:prstGeom prst="rect">
+            <a:avLst/>
+          </a:prstGeom>
+          <a:noFill/>
+          <a:ln>
+            <a:noFill/>
+          </a:ln>
+        </p:spPr>
+      </p:pic>
     </p:spTree>
   </p:cSld>
   <p:clrMapOvr>
@@ -7660,7 +9489,7 @@
   <p:cSld>
     <p:spTree>
       <p:nvGrpSpPr>
-        <p:cNvPr id="65" name="Shape 65"/>
+        <p:cNvPr id="67" name="Shape 67"/>
         <p:cNvGrpSpPr/>
         <p:nvPr/>
       </p:nvGrpSpPr>
@@ -7674,7 +9503,7 @@
       </p:grpSpPr>
       <p:sp>
         <p:nvSpPr>
-          <p:cNvPr id="66" name="Google Shape;66;p15"/>
+          <p:cNvPr id="68" name="Google Shape;68;p15"/>
           <p:cNvSpPr txBox="1"/>
           <p:nvPr>
             <p:ph type="title"/>
@@ -7702,19 +9531,47 @@
               <a:spcAft>
                 <a:spcPts val="0"/>
               </a:spcAft>
-              <a:buNone/>
-            </a:pPr>
-            <a:r>
-              <a:rPr lang="en"/>
-              <a:t>Title page</a:t>
-            </a:r>
-            <a:endParaRPr/>
+              <a:buClr>
+                <a:schemeClr val="dk1"/>
+              </a:buClr>
+              <a:buSzPts val="1100"/>
+              <a:buFont typeface="Arial"/>
+              <a:buNone/>
+            </a:pPr>
+            <a:r>
+              <a:rPr lang="en" sz="2400"/>
+              <a:t>Myanmar's Historical Background</a:t>
+            </a:r>
+            <a:endParaRPr sz="2400"/>
+          </a:p>
+          <a:p>
+            <a:pPr indent="0" lvl="0" marL="0" rtl="0" algn="l">
+              <a:lnSpc>
+                <a:spcPct val="200000"/>
+              </a:lnSpc>
+              <a:spcBef>
+                <a:spcPts val="900"/>
+              </a:spcBef>
+              <a:spcAft>
+                <a:spcPts val="900"/>
+              </a:spcAft>
+              <a:buClr>
+                <a:schemeClr val="dk1"/>
+              </a:buClr>
+              <a:buSzPts val="1100"/>
+              <a:buFont typeface="Arial"/>
+              <a:buNone/>
+            </a:pPr>
+            <a:r>
+              <a:t/>
+            </a:r>
+            <a:endParaRPr b="1" sz="2400"/>
           </a:p>
         </p:txBody>
       </p:sp>
       <p:sp>
         <p:nvSpPr>
-          <p:cNvPr id="67" name="Google Shape;67;p15"/>
+          <p:cNvPr id="69" name="Google Shape;69;p15"/>
           <p:cNvSpPr txBox="1"/>
           <p:nvPr>
             <p:ph idx="1" type="body"/>
@@ -7735,23 +9592,183 @@
           </a:bodyPr>
           <a:lstStyle/>
           <a:p>
-            <a:pPr indent="0" lvl="0" marL="0" rtl="0" algn="l">
-              <a:spcBef>
-                <a:spcPts val="0"/>
-              </a:spcBef>
-              <a:spcAft>
-                <a:spcPts val="1600"/>
-              </a:spcAft>
-              <a:buNone/>
+            <a:pPr indent="-342900" lvl="0" marL="457200" rtl="0" algn="l">
+              <a:spcBef>
+                <a:spcPts val="0"/>
+              </a:spcBef>
+              <a:spcAft>
+                <a:spcPts val="0"/>
+              </a:spcAft>
+              <a:buSzPts val="1800"/>
+              <a:buChar char="●"/>
             </a:pPr>
             <a:r>
               <a:rPr lang="en"/>
-              <a:t>Same as paper</a:t>
+              <a:t>Receiving</a:t>
+            </a:r>
+            <a:r>
+              <a:rPr lang="en"/>
+              <a:t> its name</a:t>
+            </a:r>
+            <a:endParaRPr/>
+          </a:p>
+          <a:p>
+            <a:pPr indent="-342900" lvl="0" marL="457200" rtl="0" algn="l">
+              <a:spcBef>
+                <a:spcPts val="0"/>
+              </a:spcBef>
+              <a:spcAft>
+                <a:spcPts val="0"/>
+              </a:spcAft>
+              <a:buSzPts val="1800"/>
+              <a:buChar char="●"/>
+            </a:pPr>
+            <a:r>
+              <a:rPr lang="en"/>
+              <a:t>Becoming a colony</a:t>
+            </a:r>
+            <a:endParaRPr/>
+          </a:p>
+          <a:p>
+            <a:pPr indent="-342900" lvl="0" marL="457200" rtl="0" algn="l">
+              <a:spcBef>
+                <a:spcPts val="0"/>
+              </a:spcBef>
+              <a:spcAft>
+                <a:spcPts val="0"/>
+              </a:spcAft>
+              <a:buSzPts val="1800"/>
+              <a:buChar char="●"/>
+            </a:pPr>
+            <a:r>
+              <a:rPr lang="en"/>
+              <a:t>WW2</a:t>
+            </a:r>
+            <a:endParaRPr/>
+          </a:p>
+          <a:p>
+            <a:pPr indent="-342900" lvl="0" marL="457200" rtl="0" algn="l">
+              <a:spcBef>
+                <a:spcPts val="0"/>
+              </a:spcBef>
+              <a:spcAft>
+                <a:spcPts val="0"/>
+              </a:spcAft>
+              <a:buSzPts val="1800"/>
+              <a:buChar char="●"/>
+            </a:pPr>
+            <a:r>
+              <a:rPr lang="en"/>
+              <a:t>Brief Democracy</a:t>
+            </a:r>
+            <a:endParaRPr/>
+          </a:p>
+          <a:p>
+            <a:pPr indent="-342900" lvl="0" marL="457200" rtl="0" algn="l">
+              <a:spcBef>
+                <a:spcPts val="0"/>
+              </a:spcBef>
+              <a:spcAft>
+                <a:spcPts val="0"/>
+              </a:spcAft>
+              <a:buSzPts val="1800"/>
+              <a:buChar char="●"/>
+            </a:pPr>
+            <a:r>
+              <a:rPr lang="en"/>
+              <a:t>Rise of insurgent groups</a:t>
+            </a:r>
+            <a:endParaRPr/>
+          </a:p>
+          <a:p>
+            <a:pPr indent="-342900" lvl="0" marL="457200" rtl="0" algn="l">
+              <a:spcBef>
+                <a:spcPts val="0"/>
+              </a:spcBef>
+              <a:spcAft>
+                <a:spcPts val="0"/>
+              </a:spcAft>
+              <a:buSzPts val="1800"/>
+              <a:buChar char="●"/>
+            </a:pPr>
+            <a:r>
+              <a:rPr lang="en"/>
+              <a:t>Military coup </a:t>
             </a:r>
             <a:endParaRPr/>
           </a:p>
         </p:txBody>
       </p:sp>
+      <p:sp>
+        <p:nvSpPr>
+          <p:cNvPr id="70" name="Google Shape;70;p15"/>
+          <p:cNvSpPr txBox="1"/>
+          <p:nvPr/>
+        </p:nvSpPr>
+        <p:spPr>
+          <a:xfrm>
+            <a:off x="5622800" y="3383600"/>
+            <a:ext cx="4433700" cy="3000000"/>
+          </a:xfrm>
+          <a:prstGeom prst="rect">
+            <a:avLst/>
+          </a:prstGeom>
+          <a:noFill/>
+          <a:ln>
+            <a:noFill/>
+          </a:ln>
+        </p:spPr>
+        <p:txBody>
+          <a:bodyPr anchorCtr="0" anchor="ctr" bIns="91425" lIns="91425" spcFirstLastPara="1" rIns="91425" wrap="square" tIns="91425">
+            <a:noAutofit/>
+          </a:bodyPr>
+          <a:lstStyle/>
+          <a:p>
+            <a:pPr indent="0" lvl="0" marL="0" rtl="0" algn="l">
+              <a:spcBef>
+                <a:spcPts val="0"/>
+              </a:spcBef>
+              <a:spcAft>
+                <a:spcPts val="0"/>
+              </a:spcAft>
+              <a:buNone/>
+            </a:pPr>
+            <a:r>
+              <a:rPr lang="en" sz="1200"/>
+              <a:t>http://livingcharm.com/wp-content/uploads/2016/07/</a:t>
+            </a:r>
+            <a:endParaRPr sz="1200"/>
+          </a:p>
+        </p:txBody>
+      </p:sp>
+      <p:pic>
+        <p:nvPicPr>
+          <p:cNvPr id="71" name="Google Shape;71;p15"/>
+          <p:cNvPicPr preferRelativeResize="0"/>
+          <p:nvPr/>
+        </p:nvPicPr>
+        <p:blipFill>
+          <a:blip r:embed="rId3">
+            <a:alphaModFix/>
+          </a:blip>
+          <a:stretch>
+            <a:fillRect/>
+          </a:stretch>
+        </p:blipFill>
+        <p:spPr>
+          <a:xfrm>
+            <a:off x="4017550" y="1442850"/>
+            <a:ext cx="4814750" cy="3209825"/>
+          </a:xfrm>
+          <a:prstGeom prst="rect">
+            <a:avLst/>
+          </a:prstGeom>
+          <a:noFill/>
+          <a:ln>
+            <a:noFill/>
+          </a:ln>
+        </p:spPr>
+      </p:pic>
     </p:spTree>
   </p:cSld>
   <p:clrMapOvr>
@@ -7765,7 +9782,7 @@
   <p:cSld>
     <p:spTree>
       <p:nvGrpSpPr>
-        <p:cNvPr id="71" name="Shape 71"/>
+        <p:cNvPr id="75" name="Shape 75"/>
         <p:cNvGrpSpPr/>
         <p:nvPr/>
       </p:nvGrpSpPr>
@@ -7779,7 +9796,7 @@
       </p:grpSpPr>
       <p:sp>
         <p:nvSpPr>
-          <p:cNvPr id="72" name="Google Shape;72;p16"/>
+          <p:cNvPr id="76" name="Google Shape;76;p16"/>
           <p:cNvSpPr txBox="1"/>
           <p:nvPr>
             <p:ph type="title"/>
@@ -7801,25 +9818,17 @@
           <a:lstStyle/>
           <a:p>
             <a:pPr indent="0" lvl="0" marL="0" rtl="0" algn="l">
-              <a:lnSpc>
-                <a:spcPct val="200000"/>
-              </a:lnSpc>
-              <a:spcBef>
-                <a:spcPts val="900"/>
-              </a:spcBef>
-              <a:spcAft>
-                <a:spcPts val="900"/>
-              </a:spcAft>
-              <a:buClr>
-                <a:schemeClr val="dk1"/>
-              </a:buClr>
-              <a:buSzPts val="1100"/>
-              <a:buFont typeface="Arial"/>
-              <a:buNone/>
-            </a:pPr>
-            <a:r>
-              <a:rPr b="1" lang="en" sz="1200"/>
-              <a:t>Introduction</a:t>
+              <a:spcBef>
+                <a:spcPts val="0"/>
+              </a:spcBef>
+              <a:spcAft>
+                <a:spcPts val="0"/>
+              </a:spcAft>
+              <a:buNone/>
+            </a:pPr>
+            <a:r>
+              <a:rPr lang="en"/>
+              <a:t>The Catalyst for Conflict</a:t>
             </a:r>
             <a:endParaRPr/>
           </a:p>
@@ -7827,7 +9836,7 @@
       </p:sp>
       <p:sp>
         <p:nvSpPr>
-          <p:cNvPr id="73" name="Google Shape;73;p16"/>
+          <p:cNvPr id="77" name="Google Shape;77;p16"/>
           <p:cNvSpPr txBox="1"/>
           <p:nvPr>
             <p:ph idx="1" type="body"/>
@@ -7848,17 +9857,78 @@
           </a:bodyPr>
           <a:lstStyle/>
           <a:p>
-            <a:pPr indent="0" lvl="0" marL="0" rtl="0" algn="l">
-              <a:spcBef>
-                <a:spcPts val="0"/>
-              </a:spcBef>
-              <a:spcAft>
-                <a:spcPts val="1600"/>
-              </a:spcAft>
-              <a:buNone/>
-            </a:pPr>
-            <a:r>
-              <a:t/>
+            <a:pPr indent="-342900" lvl="0" marL="457200" rtl="0" algn="l">
+              <a:lnSpc>
+                <a:spcPct val="200000"/>
+              </a:lnSpc>
+              <a:spcBef>
+                <a:spcPts val="0"/>
+              </a:spcBef>
+              <a:spcAft>
+                <a:spcPts val="0"/>
+              </a:spcAft>
+              <a:buSzPts val="1800"/>
+              <a:buChar char="●"/>
+            </a:pPr>
+            <a:r>
+              <a:rPr lang="en"/>
+              <a:t>Military Dictatorship that targeted other </a:t>
+            </a:r>
+            <a:r>
+              <a:rPr lang="en"/>
+              <a:t>political</a:t>
+            </a:r>
+            <a:r>
+              <a:rPr lang="en"/>
+              <a:t> groups, ethnic minorities, and other groups they deemed dangerous.</a:t>
+            </a:r>
+            <a:endParaRPr/>
+          </a:p>
+          <a:p>
+            <a:pPr indent="-342900" lvl="0" marL="457200" rtl="0" algn="l">
+              <a:lnSpc>
+                <a:spcPct val="200000"/>
+              </a:lnSpc>
+              <a:spcBef>
+                <a:spcPts val="0"/>
+              </a:spcBef>
+              <a:spcAft>
+                <a:spcPts val="0"/>
+              </a:spcAft>
+              <a:buSzPts val="1800"/>
+              <a:buChar char="●"/>
+            </a:pPr>
+            <a:r>
+              <a:rPr lang="en"/>
+              <a:t>Banning threats</a:t>
+            </a:r>
+            <a:endParaRPr/>
+          </a:p>
+          <a:p>
+            <a:pPr indent="-342900" lvl="0" marL="457200" rtl="0" algn="l">
+              <a:lnSpc>
+                <a:spcPct val="200000"/>
+              </a:lnSpc>
+              <a:spcBef>
+                <a:spcPts val="0"/>
+              </a:spcBef>
+              <a:spcAft>
+                <a:spcPts val="0"/>
+              </a:spcAft>
+              <a:buSzPts val="1800"/>
+              <a:buChar char="●"/>
+            </a:pPr>
+            <a:r>
+              <a:rPr lang="en"/>
+              <a:t>Country brought to </a:t>
+            </a:r>
+            <a:r>
+              <a:rPr lang="en"/>
+              <a:t>financial</a:t>
+            </a:r>
+            <a:r>
+              <a:rPr lang="en"/>
+              <a:t> ruin</a:t>
             </a:r>
             <a:endParaRPr/>
           </a:p>
@@ -7877,7 +9947,7 @@
   <p:cSld>
     <p:spTree>
       <p:nvGrpSpPr>
-        <p:cNvPr id="77" name="Shape 77"/>
+        <p:cNvPr id="81" name="Shape 81"/>
         <p:cNvGrpSpPr/>
         <p:nvPr/>
       </p:nvGrpSpPr>
@@ -7891,116 +9961,7 @@
       </p:grpSpPr>
       <p:sp>
         <p:nvSpPr>
-          <p:cNvPr id="78" name="Google Shape;78;p17"/>
-          <p:cNvSpPr txBox="1"/>
-          <p:nvPr>
-            <p:ph type="ctrTitle"/>
-          </p:nvPr>
-        </p:nvSpPr>
-        <p:spPr>
-          <a:xfrm>
-            <a:off x="311708" y="744575"/>
-            <a:ext cx="8520600" cy="2052600"/>
-          </a:xfrm>
-          <a:prstGeom prst="rect">
-            <a:avLst/>
-          </a:prstGeom>
-        </p:spPr>
-        <p:txBody>
-          <a:bodyPr anchorCtr="0" anchor="b" bIns="91425" lIns="91425" spcFirstLastPara="1" rIns="91425" wrap="square" tIns="91425">
-            <a:noAutofit/>
-          </a:bodyPr>
-          <a:lstStyle/>
-          <a:p>
-            <a:pPr indent="0" lvl="0" marL="0" rtl="0" algn="ctr">
-              <a:spcBef>
-                <a:spcPts val="0"/>
-              </a:spcBef>
-              <a:spcAft>
-                <a:spcPts val="0"/>
-              </a:spcAft>
-              <a:buClr>
-                <a:schemeClr val="dk1"/>
-              </a:buClr>
-              <a:buSzPts val="1100"/>
-              <a:buFont typeface="Arial"/>
-              <a:buNone/>
-            </a:pPr>
-            <a:r>
-              <a:rPr lang="en"/>
-              <a:t>Myanmar's Historical Background</a:t>
-            </a:r>
-            <a:endParaRPr/>
-          </a:p>
-        </p:txBody>
-      </p:sp>
-      <p:sp>
-        <p:nvSpPr>
-          <p:cNvPr id="79" name="Google Shape;79;p17"/>
-          <p:cNvSpPr txBox="1"/>
-          <p:nvPr>
-            <p:ph idx="1" type="subTitle"/>
-          </p:nvPr>
-        </p:nvSpPr>
-        <p:spPr>
-          <a:xfrm>
-            <a:off x="311700" y="2834125"/>
-            <a:ext cx="8520600" cy="792600"/>
-          </a:xfrm>
-          <a:prstGeom prst="rect">
-            <a:avLst/>
-          </a:prstGeom>
-        </p:spPr>
-        <p:txBody>
-          <a:bodyPr anchorCtr="0" anchor="t" bIns="91425" lIns="91425" spcFirstLastPara="1" rIns="91425" wrap="square" tIns="91425">
-            <a:noAutofit/>
-          </a:bodyPr>
-          <a:lstStyle/>
-          <a:p>
-            <a:pPr indent="0" lvl="0" marL="0" rtl="0" algn="ctr">
-              <a:spcBef>
-                <a:spcPts val="0"/>
-              </a:spcBef>
-              <a:spcAft>
-                <a:spcPts val="0"/>
-              </a:spcAft>
-              <a:buNone/>
-            </a:pPr>
-            <a:r>
-              <a:t/>
-            </a:r>
-            <a:endParaRPr/>
-          </a:p>
-        </p:txBody>
-      </p:sp>
-    </p:spTree>
-  </p:cSld>
-  <p:clrMapOvr>
-    <a:masterClrMapping/>
-  </p:clrMapOvr>
-</p:sld>
-</file>
-
-<file path=ppt/slides/slide6.xml><?xml version="1.0" encoding="utf-8"?>
-<p:sld xmlns:a="http://schemas.openxmlformats.org/drawingml/2006/main" xmlns:r="http://schemas.openxmlformats.org/officeDocument/2006/relationships" xmlns:mc="http://schemas.openxmlformats.org/markup-compatibility/2006" xmlns:mv="urn:schemas-microsoft-com:mac:vml" xmlns:p="http://schemas.openxmlformats.org/presentationml/2006/main" xmlns:c="http://schemas.openxmlformats.org/drawingml/2006/chart" xmlns:dgm="http://schemas.openxmlformats.org/drawingml/2006/diagram" xmlns:o="urn:schemas-microsoft-com:office:office" xmlns:v="urn:schemas-microsoft-com:vml" xmlns:pvml="urn:schemas-microsoft-com:office:powerpoint" xmlns:com="http://schemas.openxmlformats.org/drawingml/2006/compatibility" xmlns:p14="http://schemas.microsoft.com/office/powerpoint/2010/main" xmlns:p15="http://schemas.microsoft.com/office/powerpoint/2012/main">
-  <p:cSld>
-    <p:spTree>
-      <p:nvGrpSpPr>
-        <p:cNvPr id="83" name="Shape 83"/>
-        <p:cNvGrpSpPr/>
-        <p:nvPr/>
-      </p:nvGrpSpPr>
-      <p:grpSpPr>
-        <a:xfrm>
-          <a:off x="0" y="0"/>
-          <a:ext cx="0" cy="0"/>
-          <a:chOff x="0" y="0"/>
-          <a:chExt cx="0" cy="0"/>
-        </a:xfrm>
-      </p:grpSpPr>
-      <p:sp>
-        <p:nvSpPr>
-          <p:cNvPr id="84" name="Google Shape;84;p18"/>
+          <p:cNvPr id="82" name="Google Shape;82;p17"/>
           <p:cNvSpPr txBox="1"/>
           <p:nvPr>
             <p:ph type="title"/>
@@ -8032,7 +9993,7 @@
             </a:pPr>
             <a:r>
               <a:rPr lang="en"/>
-              <a:t>The Catalyst for Conflict</a:t>
+              <a:t>Insurgents Rising</a:t>
             </a:r>
             <a:endParaRPr/>
           </a:p>
@@ -8040,7 +10001,7 @@
       </p:sp>
       <p:sp>
         <p:nvSpPr>
-          <p:cNvPr id="85" name="Google Shape;85;p18"/>
+          <p:cNvPr id="83" name="Google Shape;83;p17"/>
           <p:cNvSpPr txBox="1"/>
           <p:nvPr>
             <p:ph idx="1" type="body"/>
@@ -8061,19 +10022,118 @@
           </a:bodyPr>
           <a:lstStyle/>
           <a:p>
+            <a:pPr indent="-342900" lvl="0" marL="457200" rtl="0" algn="l">
+              <a:lnSpc>
+                <a:spcPct val="200000"/>
+              </a:lnSpc>
+              <a:spcBef>
+                <a:spcPts val="0"/>
+              </a:spcBef>
+              <a:spcAft>
+                <a:spcPts val="0"/>
+              </a:spcAft>
+              <a:buSzPts val="1800"/>
+              <a:buChar char="●"/>
+            </a:pPr>
+            <a:r>
+              <a:rPr lang="en"/>
+              <a:t>Insurgent</a:t>
+            </a:r>
+            <a:r>
+              <a:rPr lang="en"/>
+              <a:t> groups forming</a:t>
+            </a:r>
+            <a:endParaRPr/>
+          </a:p>
+          <a:p>
+            <a:pPr indent="-342900" lvl="0" marL="457200" rtl="0" algn="l">
+              <a:lnSpc>
+                <a:spcPct val="200000"/>
+              </a:lnSpc>
+              <a:spcBef>
+                <a:spcPts val="0"/>
+              </a:spcBef>
+              <a:spcAft>
+                <a:spcPts val="0"/>
+              </a:spcAft>
+              <a:buSzPts val="1800"/>
+              <a:buChar char="●"/>
+            </a:pPr>
+            <a:r>
+              <a:rPr lang="en"/>
+              <a:t>Displacement</a:t>
+            </a:r>
+            <a:endParaRPr/>
+          </a:p>
+        </p:txBody>
+      </p:sp>
+      <p:pic>
+        <p:nvPicPr>
+          <p:cNvPr id="84" name="Google Shape;84;p17"/>
+          <p:cNvPicPr preferRelativeResize="0"/>
+          <p:nvPr/>
+        </p:nvPicPr>
+        <p:blipFill>
+          <a:blip r:embed="rId3">
+            <a:alphaModFix/>
+          </a:blip>
+          <a:stretch>
+            <a:fillRect/>
+          </a:stretch>
+        </p:blipFill>
+        <p:spPr>
+          <a:xfrm>
+            <a:off x="6463250" y="0"/>
+            <a:ext cx="2612571" cy="5143500"/>
+          </a:xfrm>
+          <a:prstGeom prst="rect">
+            <a:avLst/>
+          </a:prstGeom>
+          <a:noFill/>
+          <a:ln>
+            <a:noFill/>
+          </a:ln>
+        </p:spPr>
+      </p:pic>
+      <p:sp>
+        <p:nvSpPr>
+          <p:cNvPr id="85" name="Google Shape;85;p17"/>
+          <p:cNvSpPr txBox="1"/>
+          <p:nvPr/>
+        </p:nvSpPr>
+        <p:spPr>
+          <a:xfrm>
+            <a:off x="3563688" y="3207425"/>
+            <a:ext cx="3000000" cy="3000000"/>
+          </a:xfrm>
+          <a:prstGeom prst="rect">
+            <a:avLst/>
+          </a:prstGeom>
+          <a:noFill/>
+          <a:ln>
+            <a:noFill/>
+          </a:ln>
+        </p:spPr>
+        <p:txBody>
+          <a:bodyPr anchorCtr="0" anchor="ctr" bIns="91425" lIns="91425" spcFirstLastPara="1" rIns="91425" wrap="square" tIns="91425">
+            <a:noAutofit/>
+          </a:bodyPr>
+          <a:lstStyle/>
+          <a:p>
             <a:pPr indent="0" lvl="0" marL="0" rtl="0" algn="l">
               <a:spcBef>
                 <a:spcPts val="0"/>
               </a:spcBef>
               <a:spcAft>
-                <a:spcPts val="1600"/>
-              </a:spcAft>
-              <a:buNone/>
-            </a:pPr>
-            <a:r>
-              <a:t/>
-            </a:r>
-            <a:endParaRPr/>
+                <a:spcPts val="0"/>
+              </a:spcAft>
+              <a:buNone/>
+            </a:pPr>
+            <a:r>
+              <a:rPr lang="en" sz="900"/>
+              <a:t>https://www.globalsecurity.org/military/world/war/burma.htm</a:t>
+            </a:r>
+            <a:endParaRPr sz="900"/>
           </a:p>
         </p:txBody>
       </p:sp>
@@ -8085,7 +10145,7 @@
 </p:sld>
 </file>
 
-<file path=ppt/slides/slide7.xml><?xml version="1.0" encoding="utf-8"?>
+<file path=ppt/slides/slide6.xml><?xml version="1.0" encoding="utf-8"?>
 <p:sld xmlns:a="http://schemas.openxmlformats.org/drawingml/2006/main" xmlns:r="http://schemas.openxmlformats.org/officeDocument/2006/relationships" xmlns:mc="http://schemas.openxmlformats.org/markup-compatibility/2006" xmlns:mv="urn:schemas-microsoft-com:mac:vml" xmlns:p="http://schemas.openxmlformats.org/presentationml/2006/main" xmlns:c="http://schemas.openxmlformats.org/drawingml/2006/chart" xmlns:dgm="http://schemas.openxmlformats.org/drawingml/2006/diagram" xmlns:o="urn:schemas-microsoft-com:office:office" xmlns:v="urn:schemas-microsoft-com:vml" xmlns:pvml="urn:schemas-microsoft-com:office:powerpoint" xmlns:com="http://schemas.openxmlformats.org/drawingml/2006/compatibility" xmlns:p14="http://schemas.microsoft.com/office/powerpoint/2010/main" xmlns:p15="http://schemas.microsoft.com/office/powerpoint/2012/main">
   <p:cSld>
     <p:spTree>
@@ -8104,7 +10164,7 @@
       </p:grpSpPr>
       <p:sp>
         <p:nvSpPr>
-          <p:cNvPr id="90" name="Google Shape;90;p19"/>
+          <p:cNvPr id="90" name="Google Shape;90;p18"/>
           <p:cNvSpPr txBox="1"/>
           <p:nvPr>
             <p:ph type="title"/>
@@ -8136,7 +10196,7 @@
             </a:pPr>
             <a:r>
               <a:rPr lang="en"/>
-              <a:t>War Theories</a:t>
+              <a:t>Key Actors</a:t>
             </a:r>
             <a:endParaRPr/>
           </a:p>
@@ -8144,7 +10204,7 @@
       </p:sp>
       <p:sp>
         <p:nvSpPr>
-          <p:cNvPr id="91" name="Google Shape;91;p19"/>
+          <p:cNvPr id="91" name="Google Shape;91;p18"/>
           <p:cNvSpPr txBox="1"/>
           <p:nvPr>
             <p:ph idx="1" type="body"/>
@@ -8165,22 +10225,154 @@
           </a:bodyPr>
           <a:lstStyle/>
           <a:p>
-            <a:pPr indent="0" lvl="0" marL="0" rtl="0" algn="l">
-              <a:spcBef>
-                <a:spcPts val="0"/>
-              </a:spcBef>
-              <a:spcAft>
-                <a:spcPts val="1600"/>
-              </a:spcAft>
-              <a:buNone/>
-            </a:pPr>
-            <a:r>
-              <a:t/>
+            <a:pPr indent="-342900" lvl="0" marL="457200" rtl="0" algn="l">
+              <a:spcBef>
+                <a:spcPts val="0"/>
+              </a:spcBef>
+              <a:spcAft>
+                <a:spcPts val="0"/>
+              </a:spcAft>
+              <a:buSzPts val="1800"/>
+              <a:buChar char="●"/>
+            </a:pPr>
+            <a:r>
+              <a:rPr lang="en"/>
+              <a:t>Ne Win and the military</a:t>
+            </a:r>
+            <a:endParaRPr/>
+          </a:p>
+          <a:p>
+            <a:pPr indent="-342900" lvl="0" marL="457200" rtl="0" algn="l">
+              <a:spcBef>
+                <a:spcPts val="0"/>
+              </a:spcBef>
+              <a:spcAft>
+                <a:spcPts val="0"/>
+              </a:spcAft>
+              <a:buSzPts val="1800"/>
+              <a:buChar char="●"/>
+            </a:pPr>
+            <a:r>
+              <a:rPr lang="en"/>
+              <a:t>Insurgent groups</a:t>
+            </a:r>
+            <a:endParaRPr/>
+          </a:p>
+          <a:p>
+            <a:pPr indent="-317500" lvl="1" marL="914400" rtl="0" algn="l">
+              <a:spcBef>
+                <a:spcPts val="0"/>
+              </a:spcBef>
+              <a:spcAft>
+                <a:spcPts val="0"/>
+              </a:spcAft>
+              <a:buSzPts val="1400"/>
+              <a:buChar char="○"/>
+            </a:pPr>
+            <a:r>
+              <a:rPr lang="en"/>
+              <a:t>KIA</a:t>
+            </a:r>
+            <a:endParaRPr/>
+          </a:p>
+          <a:p>
+            <a:pPr indent="-317500" lvl="1" marL="914400" rtl="0" algn="l">
+              <a:spcBef>
+                <a:spcPts val="0"/>
+              </a:spcBef>
+              <a:spcAft>
+                <a:spcPts val="0"/>
+              </a:spcAft>
+              <a:buSzPts val="1400"/>
+              <a:buChar char="○"/>
+            </a:pPr>
+            <a:r>
+              <a:rPr lang="en"/>
+              <a:t>TNLA</a:t>
+            </a:r>
+            <a:endParaRPr/>
+          </a:p>
+          <a:p>
+            <a:pPr indent="-317500" lvl="1" marL="914400" rtl="0" algn="l">
+              <a:spcBef>
+                <a:spcPts val="0"/>
+              </a:spcBef>
+              <a:spcAft>
+                <a:spcPts val="0"/>
+              </a:spcAft>
+              <a:buSzPts val="1400"/>
+              <a:buChar char="○"/>
+            </a:pPr>
+            <a:r>
+              <a:rPr lang="en"/>
+              <a:t>MNDAA</a:t>
+            </a:r>
+            <a:endParaRPr/>
+          </a:p>
+          <a:p>
+            <a:pPr indent="-317500" lvl="1" marL="914400" rtl="0" algn="l">
+              <a:spcBef>
+                <a:spcPts val="0"/>
+              </a:spcBef>
+              <a:spcAft>
+                <a:spcPts val="0"/>
+              </a:spcAft>
+              <a:buSzPts val="1400"/>
+              <a:buChar char="○"/>
+            </a:pPr>
+            <a:r>
+              <a:rPr lang="en"/>
+              <a:t>AA</a:t>
+            </a:r>
+            <a:endParaRPr/>
+          </a:p>
+          <a:p>
+            <a:pPr indent="-342900" lvl="0" marL="457200" rtl="0" algn="l">
+              <a:spcBef>
+                <a:spcPts val="0"/>
+              </a:spcBef>
+              <a:spcAft>
+                <a:spcPts val="0"/>
+              </a:spcAft>
+              <a:buSzPts val="1800"/>
+              <a:buChar char="●"/>
+            </a:pPr>
+            <a:r>
+              <a:rPr lang="en"/>
+              <a:t>External Actors</a:t>
             </a:r>
             <a:endParaRPr/>
           </a:p>
         </p:txBody>
       </p:sp>
+      <p:pic>
+        <p:nvPicPr>
+          <p:cNvPr id="92" name="Google Shape;92;p18"/>
+          <p:cNvPicPr preferRelativeResize="0"/>
+          <p:nvPr/>
+        </p:nvPicPr>
+        <p:blipFill>
+          <a:blip r:embed="rId3">
+            <a:alphaModFix/>
+          </a:blip>
+          <a:stretch>
+            <a:fillRect/>
+          </a:stretch>
+        </p:blipFill>
+        <p:spPr>
+          <a:xfrm>
+            <a:off x="3247050" y="176112"/>
+            <a:ext cx="5896950" cy="4791275"/>
+          </a:xfrm>
+          <a:prstGeom prst="rect">
+            <a:avLst/>
+          </a:prstGeom>
+          <a:noFill/>
+          <a:ln>
+            <a:noFill/>
+          </a:ln>
+        </p:spPr>
+      </p:pic>
     </p:spTree>
   </p:cSld>
   <p:clrMapOvr>
@@ -8189,12 +10381,12 @@
 </p:sld>
 </file>
 
-<file path=ppt/slides/slide8.xml><?xml version="1.0" encoding="utf-8"?>
+<file path=ppt/slides/slide7.xml><?xml version="1.0" encoding="utf-8"?>
 <p:sld xmlns:a="http://schemas.openxmlformats.org/drawingml/2006/main" xmlns:r="http://schemas.openxmlformats.org/officeDocument/2006/relationships" xmlns:mc="http://schemas.openxmlformats.org/markup-compatibility/2006" xmlns:mv="urn:schemas-microsoft-com:mac:vml" xmlns:p="http://schemas.openxmlformats.org/presentationml/2006/main" xmlns:c="http://schemas.openxmlformats.org/drawingml/2006/chart" xmlns:dgm="http://schemas.openxmlformats.org/drawingml/2006/diagram" xmlns:o="urn:schemas-microsoft-com:office:office" xmlns:v="urn:schemas-microsoft-com:vml" xmlns:pvml="urn:schemas-microsoft-com:office:powerpoint" xmlns:com="http://schemas.openxmlformats.org/drawingml/2006/compatibility" xmlns:p14="http://schemas.microsoft.com/office/powerpoint/2010/main" xmlns:p15="http://schemas.microsoft.com/office/powerpoint/2012/main">
   <p:cSld>
     <p:spTree>
       <p:nvGrpSpPr>
-        <p:cNvPr id="95" name="Shape 95"/>
+        <p:cNvPr id="96" name="Shape 96"/>
         <p:cNvGrpSpPr/>
         <p:nvPr/>
       </p:nvGrpSpPr>
@@ -8208,7 +10400,7 @@
       </p:grpSpPr>
       <p:sp>
         <p:nvSpPr>
-          <p:cNvPr id="96" name="Google Shape;96;p20"/>
+          <p:cNvPr id="97" name="Google Shape;97;p19"/>
           <p:cNvSpPr txBox="1"/>
           <p:nvPr>
             <p:ph type="title"/>
@@ -8240,7 +10432,7 @@
             </a:pPr>
             <a:r>
               <a:rPr lang="en"/>
-              <a:t>Key Actors</a:t>
+              <a:t>Cause for War- Material and Political Interests</a:t>
             </a:r>
             <a:endParaRPr/>
           </a:p>
@@ -8248,7 +10440,7 @@
       </p:sp>
       <p:sp>
         <p:nvSpPr>
-          <p:cNvPr id="97" name="Google Shape;97;p20"/>
+          <p:cNvPr id="98" name="Google Shape;98;p19"/>
           <p:cNvSpPr txBox="1"/>
           <p:nvPr>
             <p:ph idx="1" type="body"/>
@@ -8269,17 +10461,46 @@
           </a:bodyPr>
           <a:lstStyle/>
           <a:p>
-            <a:pPr indent="0" lvl="0" marL="0" rtl="0" algn="l">
-              <a:spcBef>
-                <a:spcPts val="0"/>
-              </a:spcBef>
-              <a:spcAft>
-                <a:spcPts val="1600"/>
-              </a:spcAft>
-              <a:buNone/>
-            </a:pPr>
-            <a:r>
-              <a:t/>
+            <a:pPr indent="-342900" lvl="0" marL="457200" rtl="0" algn="l">
+              <a:lnSpc>
+                <a:spcPct val="200000"/>
+              </a:lnSpc>
+              <a:spcBef>
+                <a:spcPts val="0"/>
+              </a:spcBef>
+              <a:spcAft>
+                <a:spcPts val="0"/>
+              </a:spcAft>
+              <a:buSzPts val="1800"/>
+              <a:buChar char="●"/>
+            </a:pPr>
+            <a:r>
+              <a:rPr lang="en"/>
+              <a:t>The </a:t>
+            </a:r>
+            <a:r>
+              <a:rPr lang="en"/>
+              <a:t>political</a:t>
+            </a:r>
+            <a:endParaRPr/>
+          </a:p>
+          <a:p>
+            <a:pPr indent="-342900" lvl="0" marL="457200" rtl="0" algn="l">
+              <a:lnSpc>
+                <a:spcPct val="200000"/>
+              </a:lnSpc>
+              <a:spcBef>
+                <a:spcPts val="0"/>
+              </a:spcBef>
+              <a:spcAft>
+                <a:spcPts val="0"/>
+              </a:spcAft>
+              <a:buSzPts val="1800"/>
+              <a:buChar char="●"/>
+            </a:pPr>
+            <a:r>
+              <a:rPr lang="en"/>
+              <a:t>The material</a:t>
             </a:r>
             <a:endParaRPr/>
           </a:p>
@@ -8293,12 +10514,12 @@
 </p:sld>
 </file>
 
-<file path=ppt/slides/slide9.xml><?xml version="1.0" encoding="utf-8"?>
+<file path=ppt/slides/slide8.xml><?xml version="1.0" encoding="utf-8"?>
 <p:sld xmlns:a="http://schemas.openxmlformats.org/drawingml/2006/main" xmlns:r="http://schemas.openxmlformats.org/officeDocument/2006/relationships" xmlns:mc="http://schemas.openxmlformats.org/markup-compatibility/2006" xmlns:mv="urn:schemas-microsoft-com:mac:vml" xmlns:p="http://schemas.openxmlformats.org/presentationml/2006/main" xmlns:c="http://schemas.openxmlformats.org/drawingml/2006/chart" xmlns:dgm="http://schemas.openxmlformats.org/drawingml/2006/diagram" xmlns:o="urn:schemas-microsoft-com:office:office" xmlns:v="urn:schemas-microsoft-com:vml" xmlns:pvml="urn:schemas-microsoft-com:office:powerpoint" xmlns:com="http://schemas.openxmlformats.org/drawingml/2006/compatibility" xmlns:p14="http://schemas.microsoft.com/office/powerpoint/2010/main" xmlns:p15="http://schemas.microsoft.com/office/powerpoint/2012/main">
   <p:cSld>
     <p:spTree>
       <p:nvGrpSpPr>
-        <p:cNvPr id="101" name="Shape 101"/>
+        <p:cNvPr id="102" name="Shape 102"/>
         <p:cNvGrpSpPr/>
         <p:nvPr/>
       </p:nvGrpSpPr>
@@ -8312,7 +10533,7 @@
       </p:grpSpPr>
       <p:sp>
         <p:nvSpPr>
-          <p:cNvPr id="102" name="Google Shape;102;p21"/>
+          <p:cNvPr id="103" name="Google Shape;103;p20"/>
           <p:cNvSpPr txBox="1"/>
           <p:nvPr>
             <p:ph type="title"/>
@@ -8344,7 +10565,7 @@
             </a:pPr>
             <a:r>
               <a:rPr lang="en"/>
-              <a:t>Cause for War- Material and Political Interests</a:t>
+              <a:t>Atrocities Committed</a:t>
             </a:r>
             <a:endParaRPr/>
           </a:p>
@@ -8352,7 +10573,7 @@
       </p:sp>
       <p:sp>
         <p:nvSpPr>
-          <p:cNvPr id="103" name="Google Shape;103;p21"/>
+          <p:cNvPr id="104" name="Google Shape;104;p20"/>
           <p:cNvSpPr txBox="1"/>
           <p:nvPr>
             <p:ph idx="1" type="body"/>
@@ -8373,17 +10594,219 @@
           </a:bodyPr>
           <a:lstStyle/>
           <a:p>
+            <a:pPr indent="-342900" lvl="0" marL="457200" rtl="0" algn="l">
+              <a:spcBef>
+                <a:spcPts val="0"/>
+              </a:spcBef>
+              <a:spcAft>
+                <a:spcPts val="0"/>
+              </a:spcAft>
+              <a:buSzPts val="1800"/>
+              <a:buChar char="●"/>
+            </a:pPr>
+            <a:r>
+              <a:rPr lang="en"/>
+              <a:t>Unlawful imprisonment and killings</a:t>
+            </a:r>
+            <a:endParaRPr/>
+          </a:p>
+          <a:p>
+            <a:pPr indent="-342900" lvl="0" marL="457200" rtl="0" algn="l">
+              <a:spcBef>
+                <a:spcPts val="0"/>
+              </a:spcBef>
+              <a:spcAft>
+                <a:spcPts val="0"/>
+              </a:spcAft>
+              <a:buSzPts val="1800"/>
+              <a:buChar char="●"/>
+            </a:pPr>
+            <a:r>
+              <a:rPr lang="en"/>
+              <a:t>Rape</a:t>
+            </a:r>
+            <a:endParaRPr/>
+          </a:p>
+          <a:p>
+            <a:pPr indent="-342900" lvl="0" marL="457200" rtl="0" algn="l">
+              <a:spcBef>
+                <a:spcPts val="0"/>
+              </a:spcBef>
+              <a:spcAft>
+                <a:spcPts val="0"/>
+              </a:spcAft>
+              <a:buSzPts val="1800"/>
+              <a:buChar char="●"/>
+            </a:pPr>
+            <a:r>
+              <a:rPr lang="en"/>
+              <a:t>Child soldiers </a:t>
+            </a:r>
+            <a:endParaRPr/>
+          </a:p>
+          <a:p>
+            <a:pPr indent="-342900" lvl="0" marL="457200" rtl="0" algn="l">
+              <a:spcBef>
+                <a:spcPts val="0"/>
+              </a:spcBef>
+              <a:spcAft>
+                <a:spcPts val="0"/>
+              </a:spcAft>
+              <a:buSzPts val="1800"/>
+              <a:buChar char="●"/>
+            </a:pPr>
+            <a:r>
+              <a:rPr lang="en"/>
+              <a:t>Ethnic cleansing</a:t>
+            </a:r>
+            <a:endParaRPr/>
+          </a:p>
+        </p:txBody>
+      </p:sp>
+    </p:spTree>
+  </p:cSld>
+  <p:clrMapOvr>
+    <a:masterClrMapping/>
+  </p:clrMapOvr>
+</p:sld>
+</file>
+
+<file path=ppt/slides/slide9.xml><?xml version="1.0" encoding="utf-8"?>
+<p:sld xmlns:a="http://schemas.openxmlformats.org/drawingml/2006/main" xmlns:r="http://schemas.openxmlformats.org/officeDocument/2006/relationships" xmlns:mc="http://schemas.openxmlformats.org/markup-compatibility/2006" xmlns:mv="urn:schemas-microsoft-com:mac:vml" xmlns:p="http://schemas.openxmlformats.org/presentationml/2006/main" xmlns:c="http://schemas.openxmlformats.org/drawingml/2006/chart" xmlns:dgm="http://schemas.openxmlformats.org/drawingml/2006/diagram" xmlns:o="urn:schemas-microsoft-com:office:office" xmlns:v="urn:schemas-microsoft-com:vml" xmlns:pvml="urn:schemas-microsoft-com:office:powerpoint" xmlns:com="http://schemas.openxmlformats.org/drawingml/2006/compatibility" xmlns:p14="http://schemas.microsoft.com/office/powerpoint/2010/main" xmlns:p15="http://schemas.microsoft.com/office/powerpoint/2012/main">
+  <p:cSld>
+    <p:spTree>
+      <p:nvGrpSpPr>
+        <p:cNvPr id="108" name="Shape 108"/>
+        <p:cNvGrpSpPr/>
+        <p:nvPr/>
+      </p:nvGrpSpPr>
+      <p:grpSpPr>
+        <a:xfrm>
+          <a:off x="0" y="0"/>
+          <a:ext cx="0" cy="0"/>
+          <a:chOff x="0" y="0"/>
+          <a:chExt cx="0" cy="0"/>
+        </a:xfrm>
+      </p:grpSpPr>
+      <p:sp>
+        <p:nvSpPr>
+          <p:cNvPr id="109" name="Google Shape;109;p21"/>
+          <p:cNvSpPr txBox="1"/>
+          <p:nvPr>
+            <p:ph type="title"/>
+          </p:nvPr>
+        </p:nvSpPr>
+        <p:spPr>
+          <a:xfrm>
+            <a:off x="311700" y="445025"/>
+            <a:ext cx="8520600" cy="572700"/>
+          </a:xfrm>
+          <a:prstGeom prst="rect">
+            <a:avLst/>
+          </a:prstGeom>
+        </p:spPr>
+        <p:txBody>
+          <a:bodyPr anchorCtr="0" anchor="t" bIns="91425" lIns="91425" spcFirstLastPara="1" rIns="91425" wrap="square" tIns="91425">
+            <a:noAutofit/>
+          </a:bodyPr>
+          <a:lstStyle/>
+          <a:p>
             <a:pPr indent="0" lvl="0" marL="0" rtl="0" algn="l">
               <a:spcBef>
                 <a:spcPts val="0"/>
               </a:spcBef>
               <a:spcAft>
-                <a:spcPts val="1600"/>
-              </a:spcAft>
-              <a:buNone/>
-            </a:pPr>
-            <a:r>
-              <a:t/>
+                <a:spcPts val="0"/>
+              </a:spcAft>
+              <a:buNone/>
+            </a:pPr>
+            <a:r>
+              <a:rPr lang="en"/>
+              <a:t>Beginnings of Peace</a:t>
+            </a:r>
+            <a:endParaRPr/>
+          </a:p>
+        </p:txBody>
+      </p:sp>
+      <p:sp>
+        <p:nvSpPr>
+          <p:cNvPr id="110" name="Google Shape;110;p21"/>
+          <p:cNvSpPr txBox="1"/>
+          <p:nvPr>
+            <p:ph idx="1" type="body"/>
+          </p:nvPr>
+        </p:nvSpPr>
+        <p:spPr>
+          <a:xfrm>
+            <a:off x="311700" y="1152475"/>
+            <a:ext cx="8520600" cy="3416400"/>
+          </a:xfrm>
+          <a:prstGeom prst="rect">
+            <a:avLst/>
+          </a:prstGeom>
+        </p:spPr>
+        <p:txBody>
+          <a:bodyPr anchorCtr="0" anchor="t" bIns="91425" lIns="91425" spcFirstLastPara="1" rIns="91425" wrap="square" tIns="91425">
+            <a:noAutofit/>
+          </a:bodyPr>
+          <a:lstStyle/>
+          <a:p>
+            <a:pPr indent="-342900" lvl="0" marL="457200" rtl="0" algn="l">
+              <a:lnSpc>
+                <a:spcPct val="200000"/>
+              </a:lnSpc>
+              <a:spcBef>
+                <a:spcPts val="0"/>
+              </a:spcBef>
+              <a:spcAft>
+                <a:spcPts val="0"/>
+              </a:spcAft>
+              <a:buSzPts val="1800"/>
+              <a:buChar char="●"/>
+            </a:pPr>
+            <a:r>
+              <a:rPr lang="en"/>
+              <a:t>First elections</a:t>
+            </a:r>
+            <a:endParaRPr/>
+          </a:p>
+          <a:p>
+            <a:pPr indent="-342900" lvl="0" marL="457200" rtl="0" algn="l">
+              <a:lnSpc>
+                <a:spcPct val="200000"/>
+              </a:lnSpc>
+              <a:spcBef>
+                <a:spcPts val="0"/>
+              </a:spcBef>
+              <a:spcAft>
+                <a:spcPts val="0"/>
+              </a:spcAft>
+              <a:buSzPts val="1800"/>
+              <a:buChar char="●"/>
+            </a:pPr>
+            <a:r>
+              <a:rPr lang="en"/>
+              <a:t>New government</a:t>
+            </a:r>
+            <a:endParaRPr/>
+          </a:p>
+          <a:p>
+            <a:pPr indent="-342900" lvl="0" marL="457200" rtl="0" algn="l">
+              <a:lnSpc>
+                <a:spcPct val="200000"/>
+              </a:lnSpc>
+              <a:spcBef>
+                <a:spcPts val="0"/>
+              </a:spcBef>
+              <a:spcAft>
+                <a:spcPts val="0"/>
+              </a:spcAft>
+              <a:buSzPts val="1800"/>
+              <a:buChar char="●"/>
+            </a:pPr>
+            <a:r>
+              <a:rPr lang="en"/>
+              <a:t>Cease fire</a:t>
             </a:r>
             <a:endParaRPr/>
           </a:p>
@@ -8398,6 +10821,285 @@
 </file>
 
 <file path=ppt/theme/theme1.xml><?xml version="1.0" encoding="utf-8"?>
+<a:theme xmlns:a="http://schemas.openxmlformats.org/drawingml/2006/main" xmlns:r="http://schemas.openxmlformats.org/officeDocument/2006/relationships" name="Simple Light">
+  <a:themeElements>
+    <a:clrScheme name="Simple Light">
+      <a:dk1>
+        <a:srgbClr val="000000"/>
+      </a:dk1>
+      <a:lt1>
+        <a:srgbClr val="FFFFFF"/>
+      </a:lt1>
+      <a:dk2>
+        <a:srgbClr val="595959"/>
+      </a:dk2>
+      <a:lt2>
+        <a:srgbClr val="EEEEEE"/>
+      </a:lt2>
+      <a:accent1>
+        <a:srgbClr val="FFAB40"/>
+      </a:accent1>
+      <a:accent2>
+        <a:srgbClr val="212121"/>
+      </a:accent2>
+      <a:accent3>
+        <a:srgbClr val="78909C"/>
+      </a:accent3>
+      <a:accent4>
+        <a:srgbClr val="FFAB40"/>
+      </a:accent4>
+      <a:accent5>
+        <a:srgbClr val="0097A7"/>
+      </a:accent5>
+      <a:accent6>
+        <a:srgbClr val="EEFF41"/>
+      </a:accent6>
+      <a:hlink>
+        <a:srgbClr val="0097A7"/>
+      </a:hlink>
+      <a:folHlink>
+        <a:srgbClr val="0097A7"/>
+      </a:folHlink>
+    </a:clrScheme>
+    <a:fontScheme name="Office">
+      <a:majorFont>
+        <a:latin typeface="Arial"/>
+        <a:ea typeface=""/>
+        <a:cs typeface=""/>
+        <a:font script="Jpan" typeface="ＭＳ Ｐゴシック"/>
+        <a:font script="Hang" typeface="맑은 고딕"/>
+        <a:font script="Hans" typeface="宋体"/>
+        <a:font script="Hant" typeface="新細明體"/>
+        <a:font script="Arab" typeface="Times New Roman"/>
+        <a:font script="Hebr" typeface="Times New Roman"/>
+        <a:font script="Thai" typeface="Angsana New"/>
+        <a:font script="Ethi" typeface="Nyala"/>
+        <a:font script="Beng" typeface="Vrinda"/>
+        <a:font script="Gujr" typeface="Shruti"/>
+        <a:font script="Khmr" typeface="MoolBoran"/>
+        <a:font script="Knda" typeface="Tunga"/>
+        <a:font script="Guru" typeface="Raavi"/>
+        <a:font script="Cans" typeface="Euphemia"/>
+        <a:font script="Cher" typeface="Plantagenet Cherokee"/>
+        <a:font script="Yiii" typeface="Microsoft Yi Baiti"/>
+        <a:font script="Tibt" typeface="Microsoft Himalaya"/>
+        <a:font script="Thaa" typeface="MV Boli"/>
+        <a:font script="Deva" typeface="Mangal"/>
+        <a:font script="Telu" typeface="Gautami"/>
+        <a:font script="Taml" typeface="Latha"/>
+        <a:font script="Syrc" typeface="Estrangelo Edessa"/>
+        <a:font script="Orya" typeface="Kalinga"/>
+        <a:font script="Mlym" typeface="Kartika"/>
+        <a:font script="Laoo" typeface="DokChampa"/>
+        <a:font script="Sinh" typeface="Iskoola Pota"/>
+        <a:font script="Mong" typeface="Mongolian Baiti"/>
+        <a:font script="Viet" typeface="Times New Roman"/>
+        <a:font script="Uigh" typeface="Microsoft Uighur"/>
+        <a:font script="Geor" typeface="Sylfaen"/>
+      </a:majorFont>
+      <a:minorFont>
+        <a:latin typeface="Arial"/>
+        <a:ea typeface=""/>
+        <a:cs typeface=""/>
+        <a:font script="Jpan" typeface="ＭＳ Ｐゴシック"/>
+        <a:font script="Hang" typeface="맑은 고딕"/>
+        <a:font script="Hans" typeface="宋体"/>
+        <a:font script="Hant" typeface="新細明體"/>
+        <a:font script="Arab" typeface="Arial"/>
+        <a:font script="Hebr" typeface="Arial"/>
+        <a:font script="Thai" typeface="Cordia New"/>
+        <a:font script="Ethi" typeface="Nyala"/>
+        <a:font script="Beng" typeface="Vrinda"/>
+        <a:font script="Gujr" typeface="Shruti"/>
+        <a:font script="Khmr" typeface="DaunPenh"/>
+        <a:font script="Knda" typeface="Tunga"/>
+        <a:font script="Guru" typeface="Raavi"/>
+        <a:font script="Cans" typeface="Euphemia"/>
+        <a:font script="Cher" typeface="Plantagenet Cherokee"/>
+        <a:font script="Yiii" typeface="Microsoft Yi Baiti"/>
+        <a:font script="Tibt" typeface="Microsoft Himalaya"/>
+        <a:font script="Thaa" typeface="MV Boli"/>
+        <a:font script="Deva" typeface="Mangal"/>
+        <a:font script="Telu" typeface="Gautami"/>
+        <a:font script="Taml" typeface="Latha"/>
+        <a:font script="Syrc" typeface="Estrangelo Edessa"/>
+        <a:font script="Orya" typeface="Kalinga"/>
+        <a:font script="Mlym" typeface="Kartika"/>
+        <a:font script="Laoo" typeface="DokChampa"/>
+        <a:font script="Sinh" typeface="Iskoola Pota"/>
+        <a:font script="Mong" typeface="Mongolian Baiti"/>
+        <a:font script="Viet" typeface="Arial"/>
+        <a:font script="Uigh" typeface="Microsoft Uighur"/>
+        <a:font script="Geor" typeface="Sylfaen"/>
+      </a:minorFont>
+    </a:fontScheme>
+    <a:fmtScheme name="Office">
+      <a:fillStyleLst>
+        <a:solidFill>
+          <a:schemeClr val="phClr"/>
+        </a:solidFill>
+        <a:gradFill rotWithShape="1">
+          <a:gsLst>
+            <a:gs pos="0">
+              <a:schemeClr val="phClr">
+                <a:tint val="50000"/>
+                <a:satMod val="300000"/>
+              </a:schemeClr>
+            </a:gs>
+            <a:gs pos="35000">
+              <a:schemeClr val="phClr">
+                <a:tint val="37000"/>
+                <a:satMod val="300000"/>
+              </a:schemeClr>
+            </a:gs>
+            <a:gs pos="100000">
+              <a:schemeClr val="phClr">
+                <a:tint val="15000"/>
+                <a:satMod val="350000"/>
+              </a:schemeClr>
+            </a:gs>
+          </a:gsLst>
+          <a:lin ang="16200000" scaled="1"/>
+        </a:gradFill>
+        <a:gradFill rotWithShape="1">
+          <a:gsLst>
+            <a:gs pos="0">
+              <a:schemeClr val="phClr">
+                <a:tint val="100000"/>
+                <a:shade val="100000"/>
+                <a:satMod val="130000"/>
+              </a:schemeClr>
+            </a:gs>
+            <a:gs pos="100000">
+              <a:schemeClr val="phClr">
+                <a:tint val="50000"/>
+                <a:shade val="100000"/>
+                <a:satMod val="350000"/>
+              </a:schemeClr>
+            </a:gs>
+          </a:gsLst>
+          <a:lin ang="16200000" scaled="0"/>
+        </a:gradFill>
+      </a:fillStyleLst>
+      <a:lnStyleLst>
+        <a:ln w="9525" cap="flat" cmpd="sng" algn="ctr">
+          <a:solidFill>
+            <a:schemeClr val="phClr">
+              <a:shade val="95000"/>
+              <a:satMod val="105000"/>
+            </a:schemeClr>
+          </a:solidFill>
+          <a:prstDash val="solid"/>
+        </a:ln>
+        <a:ln w="25400" cap="flat" cmpd="sng" algn="ctr">
+          <a:solidFill>
+            <a:schemeClr val="phClr"/>
+          </a:solidFill>
+          <a:prstDash val="solid"/>
+        </a:ln>
+        <a:ln w="38100" cap="flat" cmpd="sng" algn="ctr">
+          <a:solidFill>
+            <a:schemeClr val="phClr"/>
+          </a:solidFill>
+          <a:prstDash val="solid"/>
+        </a:ln>
+      </a:lnStyleLst>
+      <a:effectStyleLst>
+        <a:effectStyle>
+          <a:effectLst>
+            <a:outerShdw blurRad="40000" dist="20000" dir="5400000" rotWithShape="0">
+              <a:srgbClr val="000000">
+                <a:alpha val="38000"/>
+              </a:srgbClr>
+            </a:outerShdw>
+          </a:effectLst>
+        </a:effectStyle>
+        <a:effectStyle>
+          <a:effectLst>
+            <a:outerShdw blurRad="40000" dist="23000" dir="5400000" rotWithShape="0">
+              <a:srgbClr val="000000">
+                <a:alpha val="35000"/>
+              </a:srgbClr>
+            </a:outerShdw>
+          </a:effectLst>
+        </a:effectStyle>
+        <a:effectStyle>
+          <a:effectLst>
+            <a:outerShdw blurRad="40000" dist="23000" dir="5400000" rotWithShape="0">
+              <a:srgbClr val="000000">
+                <a:alpha val="35000"/>
+              </a:srgbClr>
+            </a:outerShdw>
+          </a:effectLst>
+          <a:scene3d>
+            <a:camera prst="orthographicFront">
+              <a:rot lat="0" lon="0" rev="0"/>
+            </a:camera>
+            <a:lightRig rig="threePt" dir="t">
+              <a:rot lat="0" lon="0" rev="1200000"/>
+            </a:lightRig>
+          </a:scene3d>
+          <a:sp3d>
+            <a:bevelT w="63500" h="25400"/>
+          </a:sp3d>
+        </a:effectStyle>
+      </a:effectStyleLst>
+      <a:bgFillStyleLst>
+        <a:solidFill>
+          <a:schemeClr val="phClr"/>
+        </a:solidFill>
+        <a:gradFill rotWithShape="1">
+          <a:gsLst>
+            <a:gs pos="0">
+              <a:schemeClr val="phClr">
+                <a:tint val="40000"/>
+                <a:satMod val="350000"/>
+              </a:schemeClr>
+            </a:gs>
+            <a:gs pos="40000">
+              <a:schemeClr val="phClr">
+                <a:tint val="45000"/>
+                <a:shade val="99000"/>
+                <a:satMod val="350000"/>
+              </a:schemeClr>
+            </a:gs>
+            <a:gs pos="100000">
+              <a:schemeClr val="phClr">
+                <a:shade val="20000"/>
+                <a:satMod val="255000"/>
+              </a:schemeClr>
+            </a:gs>
+          </a:gsLst>
+          <a:path path="circle">
+            <a:fillToRect l="50000" t="-80000" r="50000" b="180000"/>
+          </a:path>
+        </a:gradFill>
+        <a:gradFill rotWithShape="1">
+          <a:gsLst>
+            <a:gs pos="0">
+              <a:schemeClr val="phClr">
+                <a:tint val="80000"/>
+                <a:satMod val="300000"/>
+              </a:schemeClr>
+            </a:gs>
+            <a:gs pos="100000">
+              <a:schemeClr val="phClr">
+                <a:shade val="30000"/>
+                <a:satMod val="200000"/>
+              </a:schemeClr>
+            </a:gs>
+          </a:gsLst>
+          <a:path path="circle">
+            <a:fillToRect l="50000" t="50000" r="50000" b="50000"/>
+          </a:path>
+        </a:gradFill>
+      </a:bgFillStyleLst>
+    </a:fmtScheme>
+  </a:themeElements>
+</a:theme>
+</file>
+
+<file path=ppt/theme/theme2.xml><?xml version="1.0" encoding="utf-8"?>
 <a:theme xmlns:a="http://schemas.openxmlformats.org/drawingml/2006/main" xmlns:r="http://schemas.openxmlformats.org/officeDocument/2006/relationships">
   <a:themeElements>
     <a:clrScheme name="Default">
@@ -8674,283 +11376,4 @@
     </a:fmtScheme>
   </a:themeElements>
 </a:theme>
-</file>
-
-<file path=ppt/theme/theme2.xml><?xml version="1.0" encoding="utf-8"?>
-<a:theme xmlns:a="http://schemas.openxmlformats.org/drawingml/2006/main" xmlns:r="http://schemas.openxmlformats.org/officeDocument/2006/relationships" name="Simple Light">
-  <a:themeElements>
-    <a:clrScheme name="Simple Light">
-      <a:dk1>
-        <a:srgbClr val="000000"/>
-      </a:dk1>
-      <a:lt1>
-        <a:srgbClr val="FFFFFF"/>
-      </a:lt1>
-      <a:dk2>
-        <a:srgbClr val="595959"/>
-      </a:dk2>
-      <a:lt2>
-        <a:srgbClr val="EEEEEE"/>
-      </a:lt2>
-      <a:accent1>
-        <a:srgbClr val="FFAB40"/>
-      </a:accent1>
-      <a:accent2>
-        <a:srgbClr val="212121"/>
-      </a:accent2>
-      <a:accent3>
-        <a:srgbClr val="78909C"/>
-      </a:accent3>
-      <a:accent4>
-        <a:srgbClr val="FFAB40"/>
-      </a:accent4>
-      <a:accent5>
-        <a:srgbClr val="0097A7"/>
-      </a:accent5>
-      <a:accent6>
-        <a:srgbClr val="EEFF41"/>
-      </a:accent6>
-      <a:hlink>
-        <a:srgbClr val="0097A7"/>
-      </a:hlink>
-      <a:folHlink>
-        <a:srgbClr val="0097A7"/>
-      </a:folHlink>
-    </a:clrScheme>
-    <a:fontScheme name="Office">
-      <a:majorFont>
-        <a:latin typeface="Arial"/>
-        <a:ea typeface=""/>
-        <a:cs typeface=""/>
-        <a:font script="Jpan" typeface="ＭＳ Ｐゴシック"/>
-        <a:font script="Hang" typeface="맑은 고딕"/>
-        <a:font script="Hans" typeface="宋体"/>
-        <a:font script="Hant" typeface="新細明體"/>
-        <a:font script="Arab" typeface="Times New Roman"/>
-        <a:font script="Hebr" typeface="Times New Roman"/>
-        <a:font script="Thai" typeface="Angsana New"/>
-        <a:font script="Ethi" typeface="Nyala"/>
-        <a:font script="Beng" typeface="Vrinda"/>
-        <a:font script="Gujr" typeface="Shruti"/>
-        <a:font script="Khmr" typeface="MoolBoran"/>
-        <a:font script="Knda" typeface="Tunga"/>
-        <a:font script="Guru" typeface="Raavi"/>
-        <a:font script="Cans" typeface="Euphemia"/>
-        <a:font script="Cher" typeface="Plantagenet Cherokee"/>
-        <a:font script="Yiii" typeface="Microsoft Yi Baiti"/>
-        <a:font script="Tibt" typeface="Microsoft Himalaya"/>
-        <a:font script="Thaa" typeface="MV Boli"/>
-        <a:font script="Deva" typeface="Mangal"/>
-        <a:font script="Telu" typeface="Gautami"/>
-        <a:font script="Taml" typeface="Latha"/>
-        <a:font script="Syrc" typeface="Estrangelo Edessa"/>
-        <a:font script="Orya" typeface="Kalinga"/>
-        <a:font script="Mlym" typeface="Kartika"/>
-        <a:font script="Laoo" typeface="DokChampa"/>
-        <a:font script="Sinh" typeface="Iskoola Pota"/>
-        <a:font script="Mong" typeface="Mongolian Baiti"/>
-        <a:font script="Viet" typeface="Times New Roman"/>
-        <a:font script="Uigh" typeface="Microsoft Uighur"/>
-        <a:font script="Geor" typeface="Sylfaen"/>
-      </a:majorFont>
-      <a:minorFont>
-        <a:latin typeface="Arial"/>
-        <a:ea typeface=""/>
-        <a:cs typeface=""/>
-        <a:font script="Jpan" typeface="ＭＳ Ｐゴシック"/>
-        <a:font script="Hang" typeface="맑은 고딕"/>
-        <a:font script="Hans" typeface="宋体"/>
-        <a:font script="Hant" typeface="新細明體"/>
-        <a:font script="Arab" typeface="Arial"/>
-        <a:font script="Hebr" typeface="Arial"/>
-        <a:font script="Thai" typeface="Cordia New"/>
-        <a:font script="Ethi" typeface="Nyala"/>
-        <a:font script="Beng" typeface="Vrinda"/>
-        <a:font script="Gujr" typeface="Shruti"/>
-        <a:font script="Khmr" typeface="DaunPenh"/>
-        <a:font script="Knda" typeface="Tunga"/>
-        <a:font script="Guru" typeface="Raavi"/>
-        <a:font script="Cans" typeface="Euphemia"/>
-        <a:font script="Cher" typeface="Plantagenet Cherokee"/>
-        <a:font script="Yiii" typeface="Microsoft Yi Baiti"/>
-        <a:font script="Tibt" typeface="Microsoft Himalaya"/>
-        <a:font script="Thaa" typeface="MV Boli"/>
-        <a:font script="Deva" typeface="Mangal"/>
-        <a:font script="Telu" typeface="Gautami"/>
-        <a:font script="Taml" typeface="Latha"/>
-        <a:font script="Syrc" typeface="Estrangelo Edessa"/>
-        <a:font script="Orya" typeface="Kalinga"/>
-        <a:font script="Mlym" typeface="Kartika"/>
-        <a:font script="Laoo" typeface="DokChampa"/>
-        <a:font script="Sinh" typeface="Iskoola Pota"/>
-        <a:font script="Mong" typeface="Mongolian Baiti"/>
-        <a:font script="Viet" typeface="Arial"/>
-        <a:font script="Uigh" typeface="Microsoft Uighur"/>
-        <a:font script="Geor" typeface="Sylfaen"/>
-      </a:minorFont>
-    </a:fontScheme>
-    <a:fmtScheme name="Office">
-      <a:fillStyleLst>
-        <a:solidFill>
-          <a:schemeClr val="phClr"/>
-        </a:solidFill>
-        <a:gradFill rotWithShape="1">
-          <a:gsLst>
-            <a:gs pos="0">
-              <a:schemeClr val="phClr">
-                <a:tint val="50000"/>
-                <a:satMod val="300000"/>
-              </a:schemeClr>
-            </a:gs>
-            <a:gs pos="35000">
-              <a:schemeClr val="phClr">
-                <a:tint val="37000"/>
-                <a:satMod val="300000"/>
-              </a:schemeClr>
-            </a:gs>
-            <a:gs pos="100000">
-              <a:schemeClr val="phClr">
-                <a:tint val="15000"/>
-                <a:satMod val="350000"/>
-              </a:schemeClr>
-            </a:gs>
-          </a:gsLst>
-          <a:lin ang="16200000" scaled="1"/>
-        </a:gradFill>
-        <a:gradFill rotWithShape="1">
-          <a:gsLst>
-            <a:gs pos="0">
-              <a:schemeClr val="phClr">
-                <a:tint val="100000"/>
-                <a:shade val="100000"/>
-                <a:satMod val="130000"/>
-              </a:schemeClr>
-            </a:gs>
-            <a:gs pos="100000">
-              <a:schemeClr val="phClr">
-                <a:tint val="50000"/>
-                <a:shade val="100000"/>
-                <a:satMod val="350000"/>
-              </a:schemeClr>
-            </a:gs>
-          </a:gsLst>
-          <a:lin ang="16200000" scaled="0"/>
-        </a:gradFill>
-      </a:fillStyleLst>
-      <a:lnStyleLst>
-        <a:ln w="9525" cap="flat" cmpd="sng" algn="ctr">
-          <a:solidFill>
-            <a:schemeClr val="phClr">
-              <a:shade val="95000"/>
-              <a:satMod val="105000"/>
-            </a:schemeClr>
-          </a:solidFill>
-          <a:prstDash val="solid"/>
-        </a:ln>
-        <a:ln w="25400" cap="flat" cmpd="sng" algn="ctr">
-          <a:solidFill>
-            <a:schemeClr val="phClr"/>
-          </a:solidFill>
-          <a:prstDash val="solid"/>
-        </a:ln>
-        <a:ln w="38100" cap="flat" cmpd="sng" algn="ctr">
-          <a:solidFill>
-            <a:schemeClr val="phClr"/>
-          </a:solidFill>
-          <a:prstDash val="solid"/>
-        </a:ln>
-      </a:lnStyleLst>
-      <a:effectStyleLst>
-        <a:effectStyle>
-          <a:effectLst>
-            <a:outerShdw blurRad="40000" dist="20000" dir="5400000" rotWithShape="0">
-              <a:srgbClr val="000000">
-                <a:alpha val="38000"/>
-              </a:srgbClr>
-            </a:outerShdw>
-          </a:effectLst>
-        </a:effectStyle>
-        <a:effectStyle>
-          <a:effectLst>
-            <a:outerShdw blurRad="40000" dist="23000" dir="5400000" rotWithShape="0">
-              <a:srgbClr val="000000">
-                <a:alpha val="35000"/>
-              </a:srgbClr>
-            </a:outerShdw>
-          </a:effectLst>
-        </a:effectStyle>
-        <a:effectStyle>
-          <a:effectLst>
-            <a:outerShdw blurRad="40000" dist="23000" dir="5400000" rotWithShape="0">
-              <a:srgbClr val="000000">
-                <a:alpha val="35000"/>
-              </a:srgbClr>
-            </a:outerShdw>
-          </a:effectLst>
-          <a:scene3d>
-            <a:camera prst="orthographicFront">
-              <a:rot lat="0" lon="0" rev="0"/>
-            </a:camera>
-            <a:lightRig rig="threePt" dir="t">
-              <a:rot lat="0" lon="0" rev="1200000"/>
-            </a:lightRig>
-          </a:scene3d>
-          <a:sp3d>
-            <a:bevelT w="63500" h="25400"/>
-          </a:sp3d>
-        </a:effectStyle>
-      </a:effectStyleLst>
-      <a:bgFillStyleLst>
-        <a:solidFill>
-          <a:schemeClr val="phClr"/>
-        </a:solidFill>
-        <a:gradFill rotWithShape="1">
-          <a:gsLst>
-            <a:gs pos="0">
-              <a:schemeClr val="phClr">
-                <a:tint val="40000"/>
-                <a:satMod val="350000"/>
-              </a:schemeClr>
-            </a:gs>
-            <a:gs pos="40000">
-              <a:schemeClr val="phClr">
-                <a:tint val="45000"/>
-                <a:shade val="99000"/>
-                <a:satMod val="350000"/>
-              </a:schemeClr>
-            </a:gs>
-            <a:gs pos="100000">
-              <a:schemeClr val="phClr">
-                <a:shade val="20000"/>
-                <a:satMod val="255000"/>
-              </a:schemeClr>
-            </a:gs>
-          </a:gsLst>
-          <a:path path="circle">
-            <a:fillToRect l="50000" t="-80000" r="50000" b="180000"/>
-          </a:path>
-        </a:gradFill>
-        <a:gradFill rotWithShape="1">
-          <a:gsLst>
-            <a:gs pos="0">
-              <a:schemeClr val="phClr">
-                <a:tint val="80000"/>
-                <a:satMod val="300000"/>
-              </a:schemeClr>
-            </a:gs>
-            <a:gs pos="100000">
-              <a:schemeClr val="phClr">
-                <a:shade val="30000"/>
-                <a:satMod val="200000"/>
-              </a:schemeClr>
-            </a:gs>
-          </a:gsLst>
-          <a:path path="circle">
-            <a:fillToRect l="50000" t="50000" r="50000" b="50000"/>
-          </a:path>
-        </a:gradFill>
-      </a:bgFillStyleLst>
-    </a:fmtScheme>
-  </a:themeElements>
-</a:theme>
 </file>